--- a/毕业设计中期答辩-鲁逸沁.pptx
+++ b/毕业设计中期答辩-鲁逸沁.pptx
@@ -9,7 +9,7 @@
   </p:notesMasterIdLst>
   <p:sldIdLst>
     <p:sldId id="256" r:id="rId2"/>
-    <p:sldId id="278" r:id="rId3"/>
+    <p:sldId id="280" r:id="rId3"/>
     <p:sldId id="262" r:id="rId4"/>
     <p:sldId id="268" r:id="rId5"/>
     <p:sldId id="276" r:id="rId6"/>
@@ -4132,7 +4132,7 @@
     </p:spTree>
     <p:extLst>
       <p:ext uri="{BB962C8B-B14F-4D97-AF65-F5344CB8AC3E}">
-        <p14:creationId xmlns:p14="http://schemas.microsoft.com/office/powerpoint/2010/main" val="4265150002"/>
+        <p14:creationId xmlns:p14="http://schemas.microsoft.com/office/powerpoint/2010/main" val="1033354302"/>
       </p:ext>
     </p:extLst>
   </p:cSld>
@@ -9330,7 +9330,7 @@
                   <a:schemeClr val="bg1"/>
                 </a:solidFill>
               </a:rPr>
-              <a:t>主要内容</a:t>
+              <a:t>研究内容</a:t>
             </a:r>
           </a:p>
         </p:txBody>
@@ -9348,7 +9348,7 @@
         <p:spPr>
           <a:xfrm>
             <a:off x="838200" y="1825625"/>
-            <a:ext cx="10753436" cy="4351338"/>
+            <a:ext cx="10430164" cy="4351338"/>
           </a:xfrm>
         </p:spPr>
         <p:txBody>
@@ -9360,18 +9360,142 @@
                 <a:spcPct val="150000"/>
               </a:lnSpc>
             </a:pPr>
+            <a:r>
+              <a:rPr lang="zh-CN" altLang="en-US" dirty="0">
+                <a:solidFill>
+                  <a:schemeClr val="bg1"/>
+                </a:solidFill>
+              </a:rPr>
+              <a:t>利用触觉反馈对</a:t>
+            </a:r>
+            <a:r>
+              <a:rPr lang="en-US" altLang="zh-CN" dirty="0">
+                <a:solidFill>
+                  <a:schemeClr val="bg1"/>
+                </a:solidFill>
+              </a:rPr>
+              <a:t>VR</a:t>
+            </a:r>
+            <a:r>
+              <a:rPr lang="zh-CN" altLang="en-US" dirty="0">
+                <a:solidFill>
+                  <a:schemeClr val="bg1"/>
+                </a:solidFill>
+              </a:rPr>
+              <a:t>场景下的屏幕点击操作产生的影响</a:t>
+            </a:r>
             <a:endParaRPr lang="en-US" altLang="zh-CN" dirty="0">
               <a:solidFill>
                 <a:schemeClr val="bg1"/>
               </a:solidFill>
             </a:endParaRPr>
           </a:p>
-        </p:txBody>
-      </p:sp>
+          <a:p>
+            <a:pPr>
+              <a:lnSpc>
+                <a:spcPct val="150000"/>
+              </a:lnSpc>
+            </a:pPr>
+            <a:endParaRPr lang="en-US" altLang="zh-CN" dirty="0"/>
+          </a:p>
+        </p:txBody>
+      </p:sp>
+      <p:pic>
+        <p:nvPicPr>
+          <p:cNvPr id="1026" name="Picture 2" descr="http://u.thsi.cn/fileupload/data/Input/2015/eae9cd8bfe8c6a49ce53aebe0bf4377f.jpg"/>
+          <p:cNvPicPr>
+            <a:picLocks noChangeAspect="1" noChangeArrowheads="1"/>
+          </p:cNvPicPr>
+          <p:nvPr/>
+        </p:nvPicPr>
+        <p:blipFill>
+          <a:blip r:embed="rId3">
+            <a:extLst>
+              <a:ext uri="{28A0092B-C50C-407E-A947-70E740481C1C}">
+                <a14:useLocalDpi xmlns:a14="http://schemas.microsoft.com/office/drawing/2010/main" val="0"/>
+              </a:ext>
+            </a:extLst>
+          </a:blip>
+          <a:srcRect/>
+          <a:stretch>
+            <a:fillRect/>
+          </a:stretch>
+        </p:blipFill>
+        <p:spPr bwMode="auto">
+          <a:xfrm>
+            <a:off x="6646695" y="3296963"/>
+            <a:ext cx="4272996" cy="2880000"/>
+          </a:xfrm>
+          <a:prstGeom prst="rect">
+            <a:avLst/>
+          </a:prstGeom>
+          <a:ln>
+            <a:noFill/>
+          </a:ln>
+          <a:effectLst>
+            <a:softEdge rad="112500"/>
+          </a:effectLst>
+          <a:extLst>
+            <a:ext uri="{909E8E84-426E-40DD-AFC4-6F175D3DCCD1}">
+              <a14:hiddenFill xmlns:a14="http://schemas.microsoft.com/office/drawing/2010/main">
+                <a:solidFill>
+                  <a:srgbClr val="FFFFFF"/>
+                </a:solidFill>
+              </a14:hiddenFill>
+            </a:ext>
+          </a:extLst>
+        </p:spPr>
+      </p:pic>
+      <p:pic>
+        <p:nvPicPr>
+          <p:cNvPr id="6" name="Picture 2" descr="http://nebula.wsimg.com/dd82758cdfae4578cd5a98f72dbbb658?AccessKeyId=1233E4464DE2B5A9DD4B&amp;disposition=0&amp;alloworigin=1"/>
+          <p:cNvPicPr>
+            <a:picLocks noChangeAspect="1" noChangeArrowheads="1"/>
+          </p:cNvPicPr>
+          <p:nvPr/>
+        </p:nvPicPr>
+        <p:blipFill>
+          <a:blip r:embed="rId4" cstate="print">
+            <a:extLst>
+              <a:ext uri="{28A0092B-C50C-407E-A947-70E740481C1C}">
+                <a14:useLocalDpi xmlns:a14="http://schemas.microsoft.com/office/drawing/2010/main" val="0"/>
+              </a:ext>
+            </a:extLst>
+          </a:blip>
+          <a:srcRect/>
+          <a:stretch>
+            <a:fillRect/>
+          </a:stretch>
+        </p:blipFill>
+        <p:spPr bwMode="auto">
+          <a:xfrm>
+            <a:off x="1058403" y="3296963"/>
+            <a:ext cx="4320000" cy="2880000"/>
+          </a:xfrm>
+          <a:prstGeom prst="rect">
+            <a:avLst/>
+          </a:prstGeom>
+          <a:ln>
+            <a:noFill/>
+          </a:ln>
+          <a:effectLst>
+            <a:softEdge rad="112500"/>
+          </a:effectLst>
+          <a:extLst>
+            <a:ext uri="{909E8E84-426E-40DD-AFC4-6F175D3DCCD1}">
+              <a14:hiddenFill xmlns:a14="http://schemas.microsoft.com/office/drawing/2010/main">
+                <a:solidFill>
+                  <a:srgbClr val="FFFFFF"/>
+                </a:solidFill>
+              </a14:hiddenFill>
+            </a:ext>
+          </a:extLst>
+        </p:spPr>
+      </p:pic>
     </p:spTree>
     <p:extLst>
       <p:ext uri="{BB962C8B-B14F-4D97-AF65-F5344CB8AC3E}">
-        <p14:creationId xmlns:p14="http://schemas.microsoft.com/office/powerpoint/2010/main" val="1249382612"/>
+        <p14:creationId xmlns:p14="http://schemas.microsoft.com/office/powerpoint/2010/main" val="3864975310"/>
       </p:ext>
     </p:extLst>
   </p:cSld>

--- a/毕业设计中期答辩-鲁逸沁.pptx
+++ b/毕业设计中期答辩-鲁逸沁.pptx
@@ -3791,7 +3791,7 @@
           <a:p>
             <a:fld id="{C6105305-3B50-40DA-BA26-180D0FA4662F}" type="datetimeFigureOut">
               <a:rPr lang="zh-CN" altLang="en-US" smtClean="0"/>
-              <a:t>2016/3/29</a:t>
+              <a:t>2016/3/30</a:t>
             </a:fld>
             <a:endParaRPr lang="zh-CN" altLang="en-US"/>
           </a:p>
@@ -5111,7 +5111,7 @@
           <a:p>
             <a:fld id="{CD24EC0F-326B-49F9-9348-D01CE119DA74}" type="datetimeFigureOut">
               <a:rPr lang="zh-CN" altLang="en-US" smtClean="0"/>
-              <a:t>2016/3/29</a:t>
+              <a:t>2016/3/30</a:t>
             </a:fld>
             <a:endParaRPr lang="zh-CN" altLang="en-US"/>
           </a:p>
@@ -5279,7 +5279,7 @@
           <a:p>
             <a:fld id="{CD24EC0F-326B-49F9-9348-D01CE119DA74}" type="datetimeFigureOut">
               <a:rPr lang="zh-CN" altLang="en-US" smtClean="0"/>
-              <a:t>2016/3/29</a:t>
+              <a:t>2016/3/30</a:t>
             </a:fld>
             <a:endParaRPr lang="zh-CN" altLang="en-US"/>
           </a:p>
@@ -5457,7 +5457,7 @@
           <a:p>
             <a:fld id="{CD24EC0F-326B-49F9-9348-D01CE119DA74}" type="datetimeFigureOut">
               <a:rPr lang="zh-CN" altLang="en-US" smtClean="0"/>
-              <a:t>2016/3/29</a:t>
+              <a:t>2016/3/30</a:t>
             </a:fld>
             <a:endParaRPr lang="zh-CN" altLang="en-US"/>
           </a:p>
@@ -5625,7 +5625,7 @@
           <a:p>
             <a:fld id="{CD24EC0F-326B-49F9-9348-D01CE119DA74}" type="datetimeFigureOut">
               <a:rPr lang="zh-CN" altLang="en-US" smtClean="0"/>
-              <a:t>2016/3/29</a:t>
+              <a:t>2016/3/30</a:t>
             </a:fld>
             <a:endParaRPr lang="zh-CN" altLang="en-US"/>
           </a:p>
@@ -5870,7 +5870,7 @@
           <a:p>
             <a:fld id="{CD24EC0F-326B-49F9-9348-D01CE119DA74}" type="datetimeFigureOut">
               <a:rPr lang="zh-CN" altLang="en-US" smtClean="0"/>
-              <a:t>2016/3/29</a:t>
+              <a:t>2016/3/30</a:t>
             </a:fld>
             <a:endParaRPr lang="zh-CN" altLang="en-US"/>
           </a:p>
@@ -6099,7 +6099,7 @@
           <a:p>
             <a:fld id="{CD24EC0F-326B-49F9-9348-D01CE119DA74}" type="datetimeFigureOut">
               <a:rPr lang="zh-CN" altLang="en-US" smtClean="0"/>
-              <a:t>2016/3/29</a:t>
+              <a:t>2016/3/30</a:t>
             </a:fld>
             <a:endParaRPr lang="zh-CN" altLang="en-US"/>
           </a:p>
@@ -6463,7 +6463,7 @@
           <a:p>
             <a:fld id="{CD24EC0F-326B-49F9-9348-D01CE119DA74}" type="datetimeFigureOut">
               <a:rPr lang="zh-CN" altLang="en-US" smtClean="0"/>
-              <a:t>2016/3/29</a:t>
+              <a:t>2016/3/30</a:t>
             </a:fld>
             <a:endParaRPr lang="zh-CN" altLang="en-US"/>
           </a:p>
@@ -6580,7 +6580,7 @@
           <a:p>
             <a:fld id="{CD24EC0F-326B-49F9-9348-D01CE119DA74}" type="datetimeFigureOut">
               <a:rPr lang="zh-CN" altLang="en-US" smtClean="0"/>
-              <a:t>2016/3/29</a:t>
+              <a:t>2016/3/30</a:t>
             </a:fld>
             <a:endParaRPr lang="zh-CN" altLang="en-US"/>
           </a:p>
@@ -6675,7 +6675,7 @@
           <a:p>
             <a:fld id="{CD24EC0F-326B-49F9-9348-D01CE119DA74}" type="datetimeFigureOut">
               <a:rPr lang="zh-CN" altLang="en-US" smtClean="0"/>
-              <a:t>2016/3/29</a:t>
+              <a:t>2016/3/30</a:t>
             </a:fld>
             <a:endParaRPr lang="zh-CN" altLang="en-US"/>
           </a:p>
@@ -6950,7 +6950,7 @@
           <a:p>
             <a:fld id="{CD24EC0F-326B-49F9-9348-D01CE119DA74}" type="datetimeFigureOut">
               <a:rPr lang="zh-CN" altLang="en-US" smtClean="0"/>
-              <a:t>2016/3/29</a:t>
+              <a:t>2016/3/30</a:t>
             </a:fld>
             <a:endParaRPr lang="zh-CN" altLang="en-US"/>
           </a:p>
@@ -7202,7 +7202,7 @@
           <a:p>
             <a:fld id="{CD24EC0F-326B-49F9-9348-D01CE119DA74}" type="datetimeFigureOut">
               <a:rPr lang="zh-CN" altLang="en-US" smtClean="0"/>
-              <a:t>2016/3/29</a:t>
+              <a:t>2016/3/30</a:t>
             </a:fld>
             <a:endParaRPr lang="zh-CN" altLang="en-US"/>
           </a:p>
@@ -7422,7 +7422,7 @@
           <a:p>
             <a:fld id="{CD24EC0F-326B-49F9-9348-D01CE119DA74}" type="datetimeFigureOut">
               <a:rPr lang="zh-CN" altLang="en-US" smtClean="0"/>
-              <a:t>2016/3/29</a:t>
+              <a:t>2016/3/30</a:t>
             </a:fld>
             <a:endParaRPr lang="zh-CN" altLang="en-US"/>
           </a:p>
@@ -7881,7 +7881,7 @@
           <p:nvPr>
             <p:extLst>
               <p:ext uri="{D42A27DB-BD31-4B8C-83A1-F6EECF244321}">
-                <p14:modId xmlns:p14="http://schemas.microsoft.com/office/powerpoint/2010/main" val="2168464568"/>
+                <p14:modId xmlns:p14="http://schemas.microsoft.com/office/powerpoint/2010/main" val="2294804172"/>
               </p:ext>
             </p:extLst>
           </p:nvPr>
@@ -7976,7 +7976,7 @@
                             <a:schemeClr val="bg1"/>
                           </a:solidFill>
                         </a:rPr>
-                        <a:t>虚拟现实环境下触觉反馈影响点击的研究</a:t>
+                        <a:t>虚拟现实环境下触觉反馈影响平面手势的研究</a:t>
                       </a:r>
                     </a:p>
                   </a:txBody>
@@ -9366,7 +9366,7 @@
                   <a:schemeClr val="bg1"/>
                 </a:solidFill>
               </a:rPr>
-              <a:t>利用触觉反馈对</a:t>
+              <a:t>研究触觉反馈对</a:t>
             </a:r>
             <a:r>
               <a:rPr lang="en-US" altLang="zh-CN" dirty="0">
@@ -9382,7 +9382,7 @@
                   <a:schemeClr val="bg1"/>
                 </a:solidFill>
               </a:rPr>
-              <a:t>场景下的屏幕点击操作产生的影响</a:t>
+              <a:t>场景下的屏幕控制手势产生的影响</a:t>
             </a:r>
             <a:endParaRPr lang="en-US" altLang="zh-CN" dirty="0">
               <a:solidFill>

--- a/毕业设计中期答辩-鲁逸沁.pptx
+++ b/毕业设计中期答辩-鲁逸沁.pptx
@@ -5,7 +5,7 @@
     <p:sldMasterId id="2147483648" r:id="rId1"/>
   </p:sldMasterIdLst>
   <p:notesMasterIdLst>
-    <p:notesMasterId r:id="rId15"/>
+    <p:notesMasterId r:id="rId16"/>
   </p:notesMasterIdLst>
   <p:sldIdLst>
     <p:sldId id="256" r:id="rId2"/>
@@ -19,8 +19,9 @@
     <p:sldId id="272" r:id="rId10"/>
     <p:sldId id="279" r:id="rId11"/>
     <p:sldId id="273" r:id="rId12"/>
-    <p:sldId id="274" r:id="rId13"/>
-    <p:sldId id="267" r:id="rId14"/>
+    <p:sldId id="281" r:id="rId13"/>
+    <p:sldId id="274" r:id="rId14"/>
+    <p:sldId id="267" r:id="rId15"/>
   </p:sldIdLst>
   <p:sldSz cx="12192000" cy="6858000"/>
   <p:notesSz cx="6858000" cy="9144000"/>
@@ -1300,10 +1301,24 @@
         </dgm:presLayoutVars>
       </dgm:prSet>
       <dgm:spPr/>
+      <dgm:t>
+        <a:bodyPr/>
+        <a:lstStyle/>
+        <a:p>
+          <a:endParaRPr lang="zh-CN" altLang="en-US"/>
+        </a:p>
+      </dgm:t>
     </dgm:pt>
     <dgm:pt modelId="{31B132AD-E79C-4613-8519-58284711D64F}" type="pres">
       <dgm:prSet presAssocID="{6999BA7D-7057-4C97-ACEE-42C97C257A15}" presName="sibTrans" presStyleLbl="sibTrans2D1" presStyleIdx="0" presStyleCnt="4"/>
       <dgm:spPr/>
+      <dgm:t>
+        <a:bodyPr/>
+        <a:lstStyle/>
+        <a:p>
+          <a:endParaRPr lang="zh-CN" altLang="en-US"/>
+        </a:p>
+      </dgm:t>
     </dgm:pt>
     <dgm:pt modelId="{F56BEB19-B21B-41B3-914A-C83928710A14}" type="pres">
       <dgm:prSet presAssocID="{656B5599-70C5-471E-B2FB-FE4B1EA17A96}" presName="middleNode" presStyleCnt="0"/>
@@ -1320,10 +1335,24 @@
         </dgm:presLayoutVars>
       </dgm:prSet>
       <dgm:spPr/>
+      <dgm:t>
+        <a:bodyPr/>
+        <a:lstStyle/>
+        <a:p>
+          <a:endParaRPr lang="zh-CN" altLang="en-US"/>
+        </a:p>
+      </dgm:t>
     </dgm:pt>
     <dgm:pt modelId="{88C58364-CFBB-455A-A47F-169E2FC483F9}" type="pres">
       <dgm:prSet presAssocID="{BA607166-7243-440D-BCB5-259D4DF03C8B}" presName="sibTrans" presStyleLbl="sibTrans2D1" presStyleIdx="1" presStyleCnt="4" custAng="1685941" custLinFactNeighborX="1774" custLinFactNeighborY="73714"/>
       <dgm:spPr/>
+      <dgm:t>
+        <a:bodyPr/>
+        <a:lstStyle/>
+        <a:p>
+          <a:endParaRPr lang="zh-CN" altLang="en-US"/>
+        </a:p>
+      </dgm:t>
     </dgm:pt>
     <dgm:pt modelId="{50F1550E-A773-4B86-9FE1-94B1BEA12875}" type="pres">
       <dgm:prSet presAssocID="{11E0C170-FFA4-4CBF-B768-88F21AF63EBC}" presName="middleNode" presStyleCnt="0"/>
@@ -1344,10 +1373,24 @@
           <a:avLst/>
         </a:prstGeom>
       </dgm:spPr>
+      <dgm:t>
+        <a:bodyPr/>
+        <a:lstStyle/>
+        <a:p>
+          <a:endParaRPr lang="zh-CN" altLang="en-US"/>
+        </a:p>
+      </dgm:t>
     </dgm:pt>
     <dgm:pt modelId="{C9ADD17A-E8EA-4B82-8F0F-0CE0B3E86C67}" type="pres">
       <dgm:prSet presAssocID="{4C41C8A1-4DF9-4CB6-AF6D-8A07514BD70C}" presName="sibTrans" presStyleLbl="sibTrans2D1" presStyleIdx="2" presStyleCnt="4" custAng="20021185" custLinFactNeighborX="-9166" custLinFactNeighborY="73908"/>
       <dgm:spPr/>
+      <dgm:t>
+        <a:bodyPr/>
+        <a:lstStyle/>
+        <a:p>
+          <a:endParaRPr lang="zh-CN" altLang="en-US"/>
+        </a:p>
+      </dgm:t>
     </dgm:pt>
     <dgm:pt modelId="{D797947D-0366-4BF1-87D2-75E3954F0381}" type="pres">
       <dgm:prSet presAssocID="{1BBC4168-107F-4C7E-B77C-B5338DE83DCB}" presName="middleNode" presStyleCnt="0"/>
@@ -1368,10 +1411,24 @@
           <a:avLst/>
         </a:prstGeom>
       </dgm:spPr>
+      <dgm:t>
+        <a:bodyPr/>
+        <a:lstStyle/>
+        <a:p>
+          <a:endParaRPr lang="zh-CN" altLang="en-US"/>
+        </a:p>
+      </dgm:t>
     </dgm:pt>
     <dgm:pt modelId="{63BDFF4B-C2C5-48DA-839C-CB3AFF1EBE45}" type="pres">
       <dgm:prSet presAssocID="{3E683294-B070-4930-BCBE-D8EF28DD403E}" presName="sibTrans" presStyleLbl="sibTrans2D1" presStyleIdx="3" presStyleCnt="4" custAng="57519"/>
       <dgm:spPr/>
+      <dgm:t>
+        <a:bodyPr/>
+        <a:lstStyle/>
+        <a:p>
+          <a:endParaRPr lang="zh-CN" altLang="en-US"/>
+        </a:p>
+      </dgm:t>
     </dgm:pt>
     <dgm:pt modelId="{7A019D83-F726-4AB5-A80B-BAF2650D8410}" type="pres">
       <dgm:prSet presAssocID="{305F6835-7F09-43BF-A8CA-2D268867B655}" presName="lastNode" presStyleLbl="node1" presStyleIdx="4" presStyleCnt="5" custScaleX="123808" custScaleY="117533" custLinFactNeighborX="-17064" custLinFactNeighborY="-32559">
@@ -1380,6 +1437,13 @@
         </dgm:presLayoutVars>
       </dgm:prSet>
       <dgm:spPr/>
+      <dgm:t>
+        <a:bodyPr/>
+        <a:lstStyle/>
+        <a:p>
+          <a:endParaRPr lang="zh-CN" altLang="en-US"/>
+        </a:p>
+      </dgm:t>
     </dgm:pt>
   </dgm:ptLst>
   <dgm:cxnLst>
@@ -1482,7 +1546,7 @@
         </a:bodyPr>
         <a:lstStyle/>
         <a:p>
-          <a:pPr marL="0" lvl="0" indent="0" algn="ctr" defTabSz="2889250">
+          <a:pPr lvl="0" algn="ctr" defTabSz="2889250">
             <a:lnSpc>
               <a:spcPct val="90000"/>
             </a:lnSpc>
@@ -1492,7 +1556,6 @@
             <a:spcAft>
               <a:spcPct val="35000"/>
             </a:spcAft>
-            <a:buNone/>
           </a:pPr>
           <a:endParaRPr lang="en-US" altLang="zh-CN" sz="6500" kern="1200" dirty="0">
             <a:solidFill>
@@ -1634,7 +1697,7 @@
         </a:bodyPr>
         <a:lstStyle/>
         <a:p>
-          <a:pPr marL="0" lvl="0" indent="0" algn="ctr" defTabSz="1066800">
+          <a:pPr lvl="0" algn="ctr" defTabSz="1066800">
             <a:lnSpc>
               <a:spcPct val="90000"/>
             </a:lnSpc>
@@ -1644,7 +1707,6 @@
             <a:spcAft>
               <a:spcPct val="35000"/>
             </a:spcAft>
-            <a:buNone/>
           </a:pPr>
           <a:endParaRPr lang="en-US" altLang="zh-CN" sz="2400" kern="1200" dirty="0">
             <a:solidFill>
@@ -1653,7 +1715,7 @@
           </a:endParaRPr>
         </a:p>
         <a:p>
-          <a:pPr marL="0" lvl="0" indent="0" algn="ctr" defTabSz="1066800">
+          <a:pPr lvl="0" algn="ctr" defTabSz="1066800">
             <a:lnSpc>
               <a:spcPct val="90000"/>
             </a:lnSpc>
@@ -1663,7 +1725,6 @@
             <a:spcAft>
               <a:spcPct val="35000"/>
             </a:spcAft>
-            <a:buNone/>
           </a:pPr>
           <a:endParaRPr lang="en-US" altLang="zh-CN" sz="2400" kern="1200" dirty="0">
             <a:solidFill>
@@ -1672,7 +1733,7 @@
           </a:endParaRPr>
         </a:p>
         <a:p>
-          <a:pPr marL="0" lvl="0" indent="0" algn="ctr" defTabSz="1066800">
+          <a:pPr lvl="0" algn="ctr" defTabSz="1066800">
             <a:lnSpc>
               <a:spcPct val="90000"/>
             </a:lnSpc>
@@ -1682,7 +1743,6 @@
             <a:spcAft>
               <a:spcPct val="35000"/>
             </a:spcAft>
-            <a:buNone/>
           </a:pPr>
           <a:endParaRPr lang="en-US" altLang="zh-CN" sz="2400" kern="1200" dirty="0">
             <a:solidFill>
@@ -1691,7 +1751,7 @@
           </a:endParaRPr>
         </a:p>
         <a:p>
-          <a:pPr marL="0" lvl="0" indent="0" algn="ctr" defTabSz="1066800">
+          <a:pPr lvl="0" algn="ctr" defTabSz="1066800">
             <a:lnSpc>
               <a:spcPct val="90000"/>
             </a:lnSpc>
@@ -1701,7 +1761,6 @@
             <a:spcAft>
               <a:spcPct val="35000"/>
             </a:spcAft>
-            <a:buNone/>
           </a:pPr>
           <a:r>
             <a:rPr lang="en-US" altLang="zh-CN" sz="2400" kern="1200" dirty="0" err="1">
@@ -1861,7 +1920,7 @@
         </a:bodyPr>
         <a:lstStyle/>
         <a:p>
-          <a:pPr marL="0" lvl="0" indent="0" algn="ctr" defTabSz="800100">
+          <a:pPr lvl="0" algn="ctr" defTabSz="800100">
             <a:lnSpc>
               <a:spcPct val="90000"/>
             </a:lnSpc>
@@ -1871,7 +1930,6 @@
             <a:spcAft>
               <a:spcPct val="35000"/>
             </a:spcAft>
-            <a:buNone/>
           </a:pPr>
           <a:endParaRPr lang="en-US" altLang="zh-CN" sz="1800" kern="1200" dirty="0">
             <a:solidFill>
@@ -1880,7 +1938,7 @@
           </a:endParaRPr>
         </a:p>
         <a:p>
-          <a:pPr marL="0" lvl="0" indent="0" algn="ctr" defTabSz="800100">
+          <a:pPr lvl="0" algn="ctr" defTabSz="800100">
             <a:lnSpc>
               <a:spcPct val="90000"/>
             </a:lnSpc>
@@ -1890,7 +1948,6 @@
             <a:spcAft>
               <a:spcPct val="35000"/>
             </a:spcAft>
-            <a:buNone/>
           </a:pPr>
           <a:endParaRPr lang="en-US" altLang="zh-CN" sz="3200" kern="1200" dirty="0">
             <a:solidFill>
@@ -1899,7 +1956,7 @@
           </a:endParaRPr>
         </a:p>
         <a:p>
-          <a:pPr marL="0" lvl="0" indent="0" algn="ctr" defTabSz="800100">
+          <a:pPr lvl="0" algn="ctr" defTabSz="800100">
             <a:lnSpc>
               <a:spcPts val="2400"/>
             </a:lnSpc>
@@ -1909,7 +1966,6 @@
             <a:spcAft>
               <a:spcPts val="0"/>
             </a:spcAft>
-            <a:buNone/>
           </a:pPr>
           <a:endParaRPr lang="en-US" altLang="zh-CN" sz="2000" kern="1200" dirty="0">
             <a:solidFill>
@@ -1918,7 +1974,7 @@
           </a:endParaRPr>
         </a:p>
         <a:p>
-          <a:pPr marL="0" lvl="0" indent="0" algn="ctr" defTabSz="800100">
+          <a:pPr lvl="0" algn="ctr" defTabSz="800100">
             <a:lnSpc>
               <a:spcPts val="2400"/>
             </a:lnSpc>
@@ -1928,7 +1984,6 @@
             <a:spcAft>
               <a:spcPts val="0"/>
             </a:spcAft>
-            <a:buNone/>
           </a:pPr>
           <a:endParaRPr lang="en-US" altLang="zh-CN" sz="2000" kern="1200" dirty="0">
             <a:solidFill>
@@ -1937,7 +1992,7 @@
           </a:endParaRPr>
         </a:p>
         <a:p>
-          <a:pPr marL="0" lvl="0" indent="0" algn="l" defTabSz="800100">
+          <a:pPr lvl="0" algn="l" defTabSz="800100">
             <a:lnSpc>
               <a:spcPts val="2400"/>
             </a:lnSpc>
@@ -1947,7 +2002,6 @@
             <a:spcAft>
               <a:spcPts val="0"/>
             </a:spcAft>
-            <a:buNone/>
           </a:pPr>
           <a:endParaRPr lang="en-US" altLang="zh-CN" sz="1800" kern="1200" dirty="0">
             <a:solidFill>
@@ -1956,7 +2010,7 @@
           </a:endParaRPr>
         </a:p>
         <a:p>
-          <a:pPr marL="0" lvl="0" indent="0" algn="l" defTabSz="800100">
+          <a:pPr lvl="0" algn="l" defTabSz="800100">
             <a:lnSpc>
               <a:spcPts val="1800"/>
             </a:lnSpc>
@@ -1966,7 +2020,6 @@
             <a:spcAft>
               <a:spcPts val="0"/>
             </a:spcAft>
-            <a:buNone/>
           </a:pPr>
           <a:r>
             <a:rPr lang="zh-CN" altLang="en-US" sz="1800" kern="1200" dirty="0">
@@ -1991,7 +2044,7 @@
           </a:endParaRPr>
         </a:p>
         <a:p>
-          <a:pPr marL="0" lvl="0" indent="0" algn="l" defTabSz="800100">
+          <a:pPr lvl="0" algn="l" defTabSz="800100">
             <a:lnSpc>
               <a:spcPts val="1800"/>
             </a:lnSpc>
@@ -2001,7 +2054,6 @@
             <a:spcAft>
               <a:spcPts val="0"/>
             </a:spcAft>
-            <a:buNone/>
           </a:pPr>
           <a:r>
             <a:rPr lang="zh-CN" altLang="en-US" sz="1800" kern="1200" dirty="0">
@@ -2026,7 +2078,7 @@
           </a:endParaRPr>
         </a:p>
         <a:p>
-          <a:pPr marL="0" lvl="0" indent="0" algn="l" defTabSz="800100">
+          <a:pPr lvl="0" algn="l" defTabSz="800100">
             <a:lnSpc>
               <a:spcPts val="1800"/>
             </a:lnSpc>
@@ -2036,7 +2088,6 @@
             <a:spcAft>
               <a:spcPts val="0"/>
             </a:spcAft>
-            <a:buNone/>
           </a:pPr>
           <a:r>
             <a:rPr lang="zh-CN" altLang="en-US" sz="1800" kern="1200" dirty="0">
@@ -2191,7 +2242,7 @@
         </a:bodyPr>
         <a:lstStyle/>
         <a:p>
-          <a:pPr marL="0" lvl="0" indent="0" algn="ctr" defTabSz="2266950">
+          <a:pPr lvl="0" algn="ctr" defTabSz="2266950">
             <a:lnSpc>
               <a:spcPct val="90000"/>
             </a:lnSpc>
@@ -2201,7 +2252,6 @@
             <a:spcAft>
               <a:spcPct val="35000"/>
             </a:spcAft>
-            <a:buNone/>
           </a:pPr>
           <a:endParaRPr lang="zh-CN" altLang="en-US" sz="5100" kern="1200" dirty="0"/>
         </a:p>
@@ -2341,7 +2391,7 @@
         </a:bodyPr>
         <a:lstStyle/>
         <a:p>
-          <a:pPr marL="0" lvl="0" indent="0" algn="ctr" defTabSz="2889250">
+          <a:pPr lvl="0" algn="ctr" defTabSz="2889250">
             <a:lnSpc>
               <a:spcPct val="90000"/>
             </a:lnSpc>
@@ -2351,7 +2401,6 @@
             <a:spcAft>
               <a:spcPct val="35000"/>
             </a:spcAft>
-            <a:buNone/>
           </a:pPr>
           <a:endParaRPr lang="zh-CN" altLang="en-US" sz="6500" kern="1200" dirty="0"/>
         </a:p>
@@ -4291,7 +4340,7 @@
           <a:p>
             <a:fld id="{A77B89BC-FE64-4387-93A3-B765D15D5017}" type="slidenum">
               <a:rPr lang="zh-CN" altLang="en-US" smtClean="0"/>
-              <a:t>12</a:t>
+              <a:t>13</a:t>
             </a:fld>
             <a:endParaRPr lang="zh-CN" altLang="en-US"/>
           </a:p>
@@ -7857,6 +7906,14 @@
               </a:rPr>
               <a:t>毕业设计中期答辩</a:t>
             </a:r>
+            <a:r>
+              <a:rPr lang="en-US" altLang="zh-CN" sz="5400" dirty="0">
+                <a:solidFill>
+                  <a:schemeClr val="bg1"/>
+                </a:solidFill>
+              </a:rPr>
+              <a:t/>
+            </a:r>
             <a:br>
               <a:rPr lang="en-US" altLang="zh-CN" sz="5400" dirty="0">
                 <a:solidFill>
@@ -7888,7 +7945,7 @@
         </p:nvGraphicFramePr>
         <p:xfrm>
           <a:off x="1782856" y="2763982"/>
-          <a:ext cx="8626288" cy="2921635"/>
+          <a:ext cx="8626288" cy="3200400"/>
         </p:xfrm>
         <a:graphic>
           <a:graphicData uri="http://schemas.openxmlformats.org/drawingml/2006/table">
@@ -7900,14 +7957,14 @@
                 <a:gridCol w="2114651">
                   <a:extLst>
                     <a:ext uri="{9D8B030D-6E8A-4147-A177-3AD203B41FA5}">
-                      <a16:colId xmlns:a16="http://schemas.microsoft.com/office/drawing/2014/main" val="2087218965"/>
+                      <a16:colId xmlns:a16="http://schemas.microsoft.com/office/drawing/2014/main" xmlns="" val="2087218965"/>
                     </a:ext>
                   </a:extLst>
                 </a:gridCol>
                 <a:gridCol w="6511637">
                   <a:extLst>
                     <a:ext uri="{9D8B030D-6E8A-4147-A177-3AD203B41FA5}">
-                      <a16:colId xmlns:a16="http://schemas.microsoft.com/office/drawing/2014/main" val="929712010"/>
+                      <a16:colId xmlns:a16="http://schemas.microsoft.com/office/drawing/2014/main" xmlns="" val="929712010"/>
                     </a:ext>
                   </a:extLst>
                 </a:gridCol>
@@ -8006,7 +8063,7 @@
                 </a:tc>
                 <a:extLst>
                   <a:ext uri="{0D108BD9-81ED-4DB2-BD59-A6C34878D82A}">
-                    <a16:rowId xmlns:a16="http://schemas.microsoft.com/office/drawing/2014/main" val="2858728227"/>
+                    <a16:rowId xmlns:a16="http://schemas.microsoft.com/office/drawing/2014/main" xmlns="" val="2858728227"/>
                   </a:ext>
                 </a:extLst>
               </a:tr>
@@ -8101,7 +8158,7 @@
                 </a:tc>
                 <a:extLst>
                   <a:ext uri="{0D108BD9-81ED-4DB2-BD59-A6C34878D82A}">
-                    <a16:rowId xmlns:a16="http://schemas.microsoft.com/office/drawing/2014/main" val="1479743348"/>
+                    <a16:rowId xmlns:a16="http://schemas.microsoft.com/office/drawing/2014/main" xmlns="" val="1479743348"/>
                   </a:ext>
                 </a:extLst>
               </a:tr>
@@ -8201,7 +8258,7 @@
                 </a:tc>
                 <a:extLst>
                   <a:ext uri="{0D108BD9-81ED-4DB2-BD59-A6C34878D82A}">
-                    <a16:rowId xmlns:a16="http://schemas.microsoft.com/office/drawing/2014/main" val="2602864519"/>
+                    <a16:rowId xmlns:a16="http://schemas.microsoft.com/office/drawing/2014/main" xmlns="" val="2602864519"/>
                   </a:ext>
                 </a:extLst>
               </a:tr>
@@ -8296,7 +8353,7 @@
                 </a:tc>
                 <a:extLst>
                   <a:ext uri="{0D108BD9-81ED-4DB2-BD59-A6C34878D82A}">
-                    <a16:rowId xmlns:a16="http://schemas.microsoft.com/office/drawing/2014/main" val="850354976"/>
+                    <a16:rowId xmlns:a16="http://schemas.microsoft.com/office/drawing/2014/main" xmlns="" val="850354976"/>
                   </a:ext>
                 </a:extLst>
               </a:tr>
@@ -8396,7 +8453,7 @@
                 </a:tc>
                 <a:extLst>
                   <a:ext uri="{0D108BD9-81ED-4DB2-BD59-A6C34878D82A}">
-                    <a16:rowId xmlns:a16="http://schemas.microsoft.com/office/drawing/2014/main" val="3740596721"/>
+                    <a16:rowId xmlns:a16="http://schemas.microsoft.com/office/drawing/2014/main" xmlns="" val="3740596721"/>
                   </a:ext>
                 </a:extLst>
               </a:tr>
@@ -9105,6 +9162,130 @@
                 <a:spcPct val="150000"/>
               </a:lnSpc>
             </a:pPr>
+            <a:r>
+              <a:rPr lang="zh-CN" altLang="en-US" dirty="0" smtClean="0">
+                <a:solidFill>
+                  <a:schemeClr val="bg1"/>
+                </a:solidFill>
+              </a:rPr>
+              <a:t>虚拟现实中的点击实验</a:t>
+            </a:r>
+            <a:endParaRPr lang="en-US" altLang="zh-CN" dirty="0" smtClean="0">
+              <a:solidFill>
+                <a:schemeClr val="bg1"/>
+              </a:solidFill>
+            </a:endParaRPr>
+          </a:p>
+          <a:p>
+            <a:pPr lvl="1">
+              <a:lnSpc>
+                <a:spcPct val="150000"/>
+              </a:lnSpc>
+            </a:pPr>
+            <a:r>
+              <a:rPr lang="zh-CN" altLang="en-US" dirty="0" smtClean="0">
+                <a:solidFill>
+                  <a:schemeClr val="bg1"/>
+                </a:solidFill>
+              </a:rPr>
+              <a:t>触觉反馈：有真实屏幕</a:t>
+            </a:r>
+            <a:r>
+              <a:rPr lang="en-US" altLang="zh-CN" dirty="0" smtClean="0">
+                <a:solidFill>
+                  <a:schemeClr val="bg1"/>
+                </a:solidFill>
+              </a:rPr>
+              <a:t>/</a:t>
+            </a:r>
+            <a:r>
+              <a:rPr lang="zh-CN" altLang="en-US" dirty="0" smtClean="0">
+                <a:solidFill>
+                  <a:schemeClr val="bg1"/>
+                </a:solidFill>
+              </a:rPr>
+              <a:t>无真实屏幕</a:t>
+            </a:r>
+            <a:endParaRPr lang="en-US" altLang="zh-CN" dirty="0" smtClean="0">
+              <a:solidFill>
+                <a:schemeClr val="bg1"/>
+              </a:solidFill>
+            </a:endParaRPr>
+          </a:p>
+          <a:p>
+            <a:pPr lvl="1">
+              <a:lnSpc>
+                <a:spcPct val="150000"/>
+              </a:lnSpc>
+            </a:pPr>
+            <a:r>
+              <a:rPr lang="zh-CN" altLang="en-US" dirty="0" smtClean="0">
+                <a:solidFill>
+                  <a:schemeClr val="bg1"/>
+                </a:solidFill>
+              </a:rPr>
+              <a:t>虚拟屏幕上出现随机位置的点</a:t>
+            </a:r>
+            <a:endParaRPr lang="en-US" altLang="zh-CN" dirty="0" smtClean="0">
+              <a:solidFill>
+                <a:schemeClr val="bg1"/>
+              </a:solidFill>
+            </a:endParaRPr>
+          </a:p>
+          <a:p>
+            <a:pPr lvl="1">
+              <a:lnSpc>
+                <a:spcPct val="150000"/>
+              </a:lnSpc>
+            </a:pPr>
+            <a:r>
+              <a:rPr lang="zh-CN" altLang="en-US" dirty="0" smtClean="0">
+                <a:solidFill>
+                  <a:schemeClr val="bg1"/>
+                </a:solidFill>
+              </a:rPr>
+              <a:t>两者在点击坐标的误差上没有明显差别</a:t>
+            </a:r>
+            <a:endParaRPr lang="en-US" altLang="zh-CN" dirty="0" smtClean="0">
+              <a:solidFill>
+                <a:schemeClr val="bg1"/>
+              </a:solidFill>
+            </a:endParaRPr>
+          </a:p>
+          <a:p>
+            <a:pPr lvl="2">
+              <a:lnSpc>
+                <a:spcPct val="150000"/>
+              </a:lnSpc>
+            </a:pPr>
+            <a:r>
+              <a:rPr lang="zh-CN" altLang="en-US" dirty="0" smtClean="0">
+                <a:solidFill>
+                  <a:schemeClr val="bg1"/>
+                </a:solidFill>
+              </a:rPr>
+              <a:t>系统误差</a:t>
+            </a:r>
+            <a:endParaRPr lang="en-US" altLang="zh-CN" dirty="0" smtClean="0">
+              <a:solidFill>
+                <a:schemeClr val="bg1"/>
+              </a:solidFill>
+            </a:endParaRPr>
+          </a:p>
+          <a:p>
+            <a:pPr lvl="1">
+              <a:lnSpc>
+                <a:spcPct val="150000"/>
+              </a:lnSpc>
+            </a:pPr>
+            <a:r>
+              <a:rPr lang="zh-CN" altLang="en-US" dirty="0" smtClean="0">
+                <a:solidFill>
+                  <a:schemeClr val="bg1"/>
+                </a:solidFill>
+              </a:rPr>
+              <a:t>用户体验上会有明显差别</a:t>
+            </a:r>
             <a:endParaRPr lang="en-US" altLang="zh-CN" dirty="0">
               <a:solidFill>
                 <a:schemeClr val="bg1"/>
@@ -9143,6 +9324,504 @@
           <a:chExt cx="0" cy="0"/>
         </a:xfrm>
       </p:grpSpPr>
+      <p:graphicFrame>
+        <p:nvGraphicFramePr>
+          <p:cNvPr id="4" name="内容占位符 3"/>
+          <p:cNvGraphicFramePr>
+            <a:graphicFrameLocks noGrp="1"/>
+          </p:cNvGraphicFramePr>
+          <p:nvPr>
+            <p:ph idx="1"/>
+            <p:extLst>
+              <p:ext uri="{D42A27DB-BD31-4B8C-83A1-F6EECF244321}">
+                <p14:modId xmlns:p14="http://schemas.microsoft.com/office/powerpoint/2010/main" val="2611111238"/>
+              </p:ext>
+            </p:extLst>
+          </p:nvPr>
+        </p:nvGraphicFramePr>
+        <p:xfrm>
+          <a:off x="2627045" y="1851055"/>
+          <a:ext cx="7218464" cy="4202124"/>
+        </p:xfrm>
+        <a:graphic>
+          <a:graphicData uri="http://schemas.openxmlformats.org/drawingml/2006/table">
+            <a:tbl>
+              <a:tblPr firstRow="1" bandRow="1">
+                <a:tableStyleId>{073A0DAA-6AF3-43AB-8588-CEC1D06C72B9}</a:tableStyleId>
+              </a:tblPr>
+              <a:tblGrid>
+                <a:gridCol w="1804616">
+                  <a:extLst>
+                    <a:ext uri="{9D8B030D-6E8A-4147-A177-3AD203B41FA5}">
+                      <a16:colId xmlns:a16="http://schemas.microsoft.com/office/drawing/2014/main" xmlns="" val="1696123548"/>
+                    </a:ext>
+                  </a:extLst>
+                </a:gridCol>
+                <a:gridCol w="1804616">
+                  <a:extLst>
+                    <a:ext uri="{9D8B030D-6E8A-4147-A177-3AD203B41FA5}">
+                      <a16:colId xmlns:a16="http://schemas.microsoft.com/office/drawing/2014/main" xmlns="" val="3509285232"/>
+                    </a:ext>
+                  </a:extLst>
+                </a:gridCol>
+                <a:gridCol w="1804616">
+                  <a:extLst>
+                    <a:ext uri="{9D8B030D-6E8A-4147-A177-3AD203B41FA5}">
+                      <a16:colId xmlns:a16="http://schemas.microsoft.com/office/drawing/2014/main" xmlns="" val="679693014"/>
+                    </a:ext>
+                  </a:extLst>
+                </a:gridCol>
+                <a:gridCol w="1804616">
+                  <a:extLst>
+                    <a:ext uri="{9D8B030D-6E8A-4147-A177-3AD203B41FA5}">
+                      <a16:colId xmlns:a16="http://schemas.microsoft.com/office/drawing/2014/main" xmlns="" val="3661630274"/>
+                    </a:ext>
+                  </a:extLst>
+                </a:gridCol>
+              </a:tblGrid>
+              <a:tr h="591126">
+                <a:tc>
+                  <a:txBody>
+                    <a:bodyPr/>
+                    <a:lstStyle/>
+                    <a:p>
+                      <a:pPr algn="ctr"/>
+                      <a:endParaRPr lang="zh-CN" altLang="en-US" dirty="0"/>
+                    </a:p>
+                  </a:txBody>
+                  <a:tcPr anchor="ctr"/>
+                </a:tc>
+                <a:tc>
+                  <a:txBody>
+                    <a:bodyPr/>
+                    <a:lstStyle/>
+                    <a:p>
+                      <a:pPr algn="ctr"/>
+                      <a:r>
+                        <a:rPr lang="zh-CN" altLang="en-US" b="0" dirty="0" smtClean="0"/>
+                        <a:t>真实世界</a:t>
+                      </a:r>
+                      <a:endParaRPr lang="zh-CN" altLang="en-US" b="0" dirty="0"/>
+                    </a:p>
+                  </a:txBody>
+                  <a:tcPr anchor="ctr"/>
+                </a:tc>
+                <a:tc>
+                  <a:txBody>
+                    <a:bodyPr/>
+                    <a:lstStyle/>
+                    <a:p>
+                      <a:pPr algn="ctr"/>
+                      <a:r>
+                        <a:rPr lang="zh-CN" altLang="en-US" b="0" dirty="0" smtClean="0"/>
+                        <a:t>虚拟现实</a:t>
+                      </a:r>
+                      <a:endParaRPr lang="zh-CN" altLang="en-US" b="0" dirty="0"/>
+                    </a:p>
+                  </a:txBody>
+                  <a:tcPr anchor="ctr"/>
+                </a:tc>
+                <a:tc>
+                  <a:txBody>
+                    <a:bodyPr/>
+                    <a:lstStyle/>
+                    <a:p>
+                      <a:pPr algn="ctr"/>
+                      <a:r>
+                        <a:rPr lang="zh-CN" altLang="en-US" b="0" dirty="0" smtClean="0"/>
+                        <a:t>增强现实</a:t>
+                      </a:r>
+                      <a:endParaRPr lang="zh-CN" altLang="en-US" b="0" dirty="0"/>
+                    </a:p>
+                  </a:txBody>
+                  <a:tcPr anchor="ctr">
+                    <a:solidFill>
+                      <a:schemeClr val="bg1">
+                        <a:lumMod val="65000"/>
+                      </a:schemeClr>
+                    </a:solidFill>
+                  </a:tcPr>
+                </a:tc>
+                <a:extLst>
+                  <a:ext uri="{0D108BD9-81ED-4DB2-BD59-A6C34878D82A}">
+                    <a16:rowId xmlns:a16="http://schemas.microsoft.com/office/drawing/2014/main" xmlns="" val="396840391"/>
+                  </a:ext>
+                </a:extLst>
+              </a:tr>
+              <a:tr h="1805499">
+                <a:tc>
+                  <a:txBody>
+                    <a:bodyPr/>
+                    <a:lstStyle/>
+                    <a:p>
+                      <a:pPr algn="ctr"/>
+                      <a:r>
+                        <a:rPr lang="zh-CN" altLang="en-US" dirty="0" smtClean="0"/>
+                        <a:t>无触觉反馈</a:t>
+                      </a:r>
+                      <a:endParaRPr lang="zh-CN" altLang="en-US" dirty="0"/>
+                    </a:p>
+                  </a:txBody>
+                  <a:tcPr anchor="ctr"/>
+                </a:tc>
+                <a:tc>
+                  <a:txBody>
+                    <a:bodyPr/>
+                    <a:lstStyle/>
+                    <a:p>
+                      <a:pPr algn="ctr"/>
+                      <a:endParaRPr lang="zh-CN" altLang="en-US" dirty="0"/>
+                    </a:p>
+                  </a:txBody>
+                  <a:tcPr anchor="ctr">
+                    <a:lnTlToBr w="12700" cap="flat" cmpd="sng" algn="ctr">
+                      <a:solidFill>
+                        <a:schemeClr val="tx1"/>
+                      </a:solidFill>
+                      <a:prstDash val="solid"/>
+                      <a:round/>
+                      <a:headEnd type="none" w="med" len="med"/>
+                      <a:tailEnd type="none" w="med" len="med"/>
+                    </a:lnTlToBr>
+                  </a:tcPr>
+                </a:tc>
+                <a:tc>
+                  <a:txBody>
+                    <a:bodyPr/>
+                    <a:lstStyle/>
+                    <a:p>
+                      <a:pPr algn="ctr"/>
+                      <a:endParaRPr lang="zh-CN" altLang="en-US" dirty="0"/>
+                    </a:p>
+                  </a:txBody>
+                  <a:tcPr anchor="ctr"/>
+                </a:tc>
+                <a:tc>
+                  <a:txBody>
+                    <a:bodyPr/>
+                    <a:lstStyle/>
+                    <a:p>
+                      <a:pPr algn="ctr"/>
+                      <a:endParaRPr lang="zh-CN" altLang="en-US" dirty="0"/>
+                    </a:p>
+                  </a:txBody>
+                  <a:tcPr anchor="ctr"/>
+                </a:tc>
+                <a:extLst>
+                  <a:ext uri="{0D108BD9-81ED-4DB2-BD59-A6C34878D82A}">
+                    <a16:rowId xmlns:a16="http://schemas.microsoft.com/office/drawing/2014/main" xmlns="" val="3979200351"/>
+                  </a:ext>
+                </a:extLst>
+              </a:tr>
+              <a:tr h="1805499">
+                <a:tc>
+                  <a:txBody>
+                    <a:bodyPr/>
+                    <a:lstStyle/>
+                    <a:p>
+                      <a:pPr algn="ctr"/>
+                      <a:r>
+                        <a:rPr lang="zh-CN" altLang="en-US" dirty="0" smtClean="0"/>
+                        <a:t>有触觉反馈</a:t>
+                      </a:r>
+                      <a:endParaRPr lang="zh-CN" altLang="en-US" dirty="0"/>
+                    </a:p>
+                  </a:txBody>
+                  <a:tcPr anchor="ctr"/>
+                </a:tc>
+                <a:tc>
+                  <a:txBody>
+                    <a:bodyPr/>
+                    <a:lstStyle/>
+                    <a:p>
+                      <a:pPr algn="ctr"/>
+                      <a:endParaRPr lang="zh-CN" altLang="en-US" dirty="0"/>
+                    </a:p>
+                  </a:txBody>
+                  <a:tcPr anchor="ctr"/>
+                </a:tc>
+                <a:tc>
+                  <a:txBody>
+                    <a:bodyPr/>
+                    <a:lstStyle/>
+                    <a:p>
+                      <a:pPr algn="ctr"/>
+                      <a:endParaRPr lang="zh-CN" altLang="en-US" dirty="0"/>
+                    </a:p>
+                  </a:txBody>
+                  <a:tcPr anchor="ctr"/>
+                </a:tc>
+                <a:tc>
+                  <a:txBody>
+                    <a:bodyPr/>
+                    <a:lstStyle/>
+                    <a:p>
+                      <a:pPr algn="ctr"/>
+                      <a:endParaRPr lang="zh-CN" altLang="en-US" dirty="0"/>
+                    </a:p>
+                  </a:txBody>
+                  <a:tcPr anchor="ctr"/>
+                </a:tc>
+                <a:extLst>
+                  <a:ext uri="{0D108BD9-81ED-4DB2-BD59-A6C34878D82A}">
+                    <a16:rowId xmlns:a16="http://schemas.microsoft.com/office/drawing/2014/main" xmlns="" val="3348657667"/>
+                  </a:ext>
+                </a:extLst>
+              </a:tr>
+            </a:tbl>
+          </a:graphicData>
+        </a:graphic>
+      </p:graphicFrame>
+      <p:sp>
+        <p:nvSpPr>
+          <p:cNvPr id="2" name="标题 1"/>
+          <p:cNvSpPr>
+            <a:spLocks noGrp="1"/>
+          </p:cNvSpPr>
+          <p:nvPr>
+            <p:ph type="title"/>
+          </p:nvPr>
+        </p:nvSpPr>
+        <p:spPr/>
+        <p:txBody>
+          <a:bodyPr/>
+          <a:lstStyle/>
+          <a:p>
+            <a:r>
+              <a:rPr lang="zh-CN" altLang="en-US" dirty="0" smtClean="0">
+                <a:solidFill>
+                  <a:schemeClr val="bg1"/>
+                </a:solidFill>
+              </a:rPr>
+              <a:t>正式</a:t>
+            </a:r>
+            <a:r>
+              <a:rPr lang="zh-CN" altLang="en-US" dirty="0" smtClean="0">
+                <a:solidFill>
+                  <a:schemeClr val="bg1"/>
+                </a:solidFill>
+              </a:rPr>
+              <a:t>实验</a:t>
+            </a:r>
+            <a:r>
+              <a:rPr lang="zh-CN" altLang="en-US" dirty="0">
+                <a:solidFill>
+                  <a:schemeClr val="bg1"/>
+                </a:solidFill>
+              </a:rPr>
+              <a:t>设置</a:t>
+            </a:r>
+            <a:endParaRPr lang="zh-CN" altLang="en-US" dirty="0">
+              <a:solidFill>
+                <a:schemeClr val="bg1"/>
+              </a:solidFill>
+            </a:endParaRPr>
+          </a:p>
+        </p:txBody>
+      </p:sp>
+      <p:pic>
+        <p:nvPicPr>
+          <p:cNvPr id="9" name="图片 8"/>
+          <p:cNvPicPr>
+            <a:picLocks/>
+          </p:cNvPicPr>
+          <p:nvPr/>
+        </p:nvPicPr>
+        <p:blipFill>
+          <a:blip r:embed="rId2"/>
+          <a:stretch>
+            <a:fillRect/>
+          </a:stretch>
+        </p:blipFill>
+        <p:spPr>
+          <a:xfrm>
+            <a:off x="4435807" y="4271179"/>
+            <a:ext cx="1782000" cy="1782000"/>
+          </a:xfrm>
+          <a:prstGeom prst="rect">
+            <a:avLst/>
+          </a:prstGeom>
+          <a:ln>
+            <a:noFill/>
+          </a:ln>
+          <a:effectLst>
+            <a:softEdge rad="112500"/>
+          </a:effectLst>
+        </p:spPr>
+      </p:pic>
+      <p:pic>
+        <p:nvPicPr>
+          <p:cNvPr id="10" name="图片 9"/>
+          <p:cNvPicPr>
+            <a:picLocks/>
+          </p:cNvPicPr>
+          <p:nvPr/>
+        </p:nvPicPr>
+        <p:blipFill>
+          <a:blip r:embed="rId3"/>
+          <a:stretch>
+            <a:fillRect/>
+          </a:stretch>
+        </p:blipFill>
+        <p:spPr>
+          <a:xfrm>
+            <a:off x="6245513" y="2461470"/>
+            <a:ext cx="1782000" cy="1782000"/>
+          </a:xfrm>
+          <a:prstGeom prst="rect">
+            <a:avLst/>
+          </a:prstGeom>
+          <a:ln>
+            <a:noFill/>
+          </a:ln>
+          <a:effectLst>
+            <a:softEdge rad="112500"/>
+          </a:effectLst>
+        </p:spPr>
+      </p:pic>
+      <p:pic>
+        <p:nvPicPr>
+          <p:cNvPr id="11" name="图片 10"/>
+          <p:cNvPicPr>
+            <a:picLocks/>
+          </p:cNvPicPr>
+          <p:nvPr/>
+        </p:nvPicPr>
+        <p:blipFill>
+          <a:blip r:embed="rId4"/>
+          <a:stretch>
+            <a:fillRect/>
+          </a:stretch>
+        </p:blipFill>
+        <p:spPr>
+          <a:xfrm>
+            <a:off x="6245513" y="4257324"/>
+            <a:ext cx="1782000" cy="1782000"/>
+          </a:xfrm>
+          <a:prstGeom prst="rect">
+            <a:avLst/>
+          </a:prstGeom>
+          <a:ln>
+            <a:noFill/>
+          </a:ln>
+          <a:effectLst>
+            <a:softEdge rad="112500"/>
+          </a:effectLst>
+        </p:spPr>
+      </p:pic>
+      <p:pic>
+        <p:nvPicPr>
+          <p:cNvPr id="12" name="图片 11"/>
+          <p:cNvPicPr>
+            <a:picLocks/>
+          </p:cNvPicPr>
+          <p:nvPr/>
+        </p:nvPicPr>
+        <p:blipFill>
+          <a:blip r:embed="rId5">
+            <a:duotone>
+              <a:schemeClr val="bg2">
+                <a:shade val="45000"/>
+                <a:satMod val="135000"/>
+              </a:schemeClr>
+              <a:prstClr val="white"/>
+            </a:duotone>
+          </a:blip>
+          <a:stretch>
+            <a:fillRect/>
+          </a:stretch>
+        </p:blipFill>
+        <p:spPr>
+          <a:xfrm>
+            <a:off x="8050357" y="2475324"/>
+            <a:ext cx="1782000" cy="1782000"/>
+          </a:xfrm>
+          <a:prstGeom prst="rect">
+            <a:avLst/>
+          </a:prstGeom>
+          <a:ln>
+            <a:noFill/>
+          </a:ln>
+          <a:effectLst>
+            <a:softEdge rad="112500"/>
+          </a:effectLst>
+        </p:spPr>
+      </p:pic>
+      <p:pic>
+        <p:nvPicPr>
+          <p:cNvPr id="13" name="图片 12"/>
+          <p:cNvPicPr>
+            <a:picLocks/>
+          </p:cNvPicPr>
+          <p:nvPr/>
+        </p:nvPicPr>
+        <p:blipFill>
+          <a:blip r:embed="rId6">
+            <a:duotone>
+              <a:schemeClr val="bg2">
+                <a:shade val="45000"/>
+                <a:satMod val="135000"/>
+              </a:schemeClr>
+              <a:prstClr val="white"/>
+            </a:duotone>
+          </a:blip>
+          <a:stretch>
+            <a:fillRect/>
+          </a:stretch>
+        </p:blipFill>
+        <p:spPr>
+          <a:xfrm>
+            <a:off x="8067433" y="4271179"/>
+            <a:ext cx="1782000" cy="1782000"/>
+          </a:xfrm>
+          <a:prstGeom prst="rect">
+            <a:avLst/>
+          </a:prstGeom>
+          <a:ln>
+            <a:noFill/>
+          </a:ln>
+          <a:effectLst>
+            <a:softEdge rad="112500"/>
+          </a:effectLst>
+        </p:spPr>
+      </p:pic>
+    </p:spTree>
+    <p:extLst>
+      <p:ext uri="{BB962C8B-B14F-4D97-AF65-F5344CB8AC3E}">
+        <p14:creationId xmlns:p14="http://schemas.microsoft.com/office/powerpoint/2010/main" val="1352642909"/>
+      </p:ext>
+    </p:extLst>
+  </p:cSld>
+  <p:clrMapOvr>
+    <a:masterClrMapping/>
+  </p:clrMapOvr>
+  <p:timing>
+    <p:tnLst>
+      <p:par>
+        <p:cTn id="1" dur="indefinite" restart="never" nodeType="tmRoot"/>
+      </p:par>
+    </p:tnLst>
+  </p:timing>
+</p:sld>
+</file>
+
+<file path=ppt/slides/slide13.xml><?xml version="1.0" encoding="utf-8"?>
+<p:sld xmlns:a="http://schemas.openxmlformats.org/drawingml/2006/main" xmlns:r="http://schemas.openxmlformats.org/officeDocument/2006/relationships" xmlns:p="http://schemas.openxmlformats.org/presentationml/2006/main">
+  <p:cSld>
+    <p:spTree>
+      <p:nvGrpSpPr>
+        <p:cNvPr id="1" name=""/>
+        <p:cNvGrpSpPr/>
+        <p:nvPr/>
+      </p:nvGrpSpPr>
+      <p:grpSpPr>
+        <a:xfrm>
+          <a:off x="0" y="0"/>
+          <a:ext cx="0" cy="0"/>
+          <a:chOff x="0" y="0"/>
+          <a:chExt cx="0" cy="0"/>
+        </a:xfrm>
+      </p:grpSpPr>
       <p:sp>
         <p:nvSpPr>
           <p:cNvPr id="2" name="标题 1"/>
@@ -9190,6 +9869,94 @@
           <a:lstStyle/>
           <a:p>
             <a:pPr>
+              <a:lnSpc>
+                <a:spcPct val="150000"/>
+              </a:lnSpc>
+            </a:pPr>
+            <a:r>
+              <a:rPr lang="zh-CN" altLang="en-US" dirty="0" smtClean="0">
+                <a:solidFill>
+                  <a:schemeClr val="bg1"/>
+                </a:solidFill>
+              </a:rPr>
+              <a:t>平面手势</a:t>
+            </a:r>
+            <a:endParaRPr lang="en-US" altLang="zh-CN" dirty="0" smtClean="0">
+              <a:solidFill>
+                <a:schemeClr val="bg1"/>
+              </a:solidFill>
+            </a:endParaRPr>
+          </a:p>
+          <a:p>
+            <a:pPr lvl="1">
+              <a:lnSpc>
+                <a:spcPct val="150000"/>
+              </a:lnSpc>
+            </a:pPr>
+            <a:r>
+              <a:rPr lang="zh-CN" altLang="en-US" dirty="0" smtClean="0">
+                <a:solidFill>
+                  <a:schemeClr val="bg1"/>
+                </a:solidFill>
+              </a:rPr>
+              <a:t>点击</a:t>
+            </a:r>
+            <a:endParaRPr lang="en-US" altLang="zh-CN" dirty="0">
+              <a:solidFill>
+                <a:schemeClr val="bg1"/>
+              </a:solidFill>
+            </a:endParaRPr>
+          </a:p>
+          <a:p>
+            <a:pPr lvl="1">
+              <a:lnSpc>
+                <a:spcPct val="150000"/>
+              </a:lnSpc>
+            </a:pPr>
+            <a:r>
+              <a:rPr lang="zh-CN" altLang="en-US" dirty="0">
+                <a:solidFill>
+                  <a:schemeClr val="bg1"/>
+                </a:solidFill>
+              </a:rPr>
+              <a:t>拖</a:t>
+            </a:r>
+            <a:r>
+              <a:rPr lang="zh-CN" altLang="en-US" dirty="0" smtClean="0">
+                <a:solidFill>
+                  <a:schemeClr val="bg1"/>
+                </a:solidFill>
+              </a:rPr>
+              <a:t>动</a:t>
+            </a:r>
+            <a:endParaRPr lang="en-US" altLang="zh-CN" dirty="0" smtClean="0">
+              <a:solidFill>
+                <a:schemeClr val="bg1"/>
+              </a:solidFill>
+            </a:endParaRPr>
+          </a:p>
+          <a:p>
+            <a:pPr lvl="1">
+              <a:lnSpc>
+                <a:spcPct val="150000"/>
+              </a:lnSpc>
+            </a:pPr>
+            <a:r>
+              <a:rPr lang="zh-CN" altLang="en-US" dirty="0" smtClean="0">
+                <a:solidFill>
+                  <a:schemeClr val="bg1"/>
+                </a:solidFill>
+              </a:rPr>
+              <a:t>缩放</a:t>
+            </a:r>
+            <a:endParaRPr lang="en-US" altLang="zh-CN" dirty="0" smtClean="0">
+              <a:solidFill>
+                <a:schemeClr val="bg1"/>
+              </a:solidFill>
+            </a:endParaRPr>
+          </a:p>
+          <a:p>
+            <a:pPr lvl="1">
               <a:lnSpc>
                 <a:spcPct val="150000"/>
               </a:lnSpc>
@@ -9215,7 +9982,7 @@
 </p:sld>
 </file>
 
-<file path=ppt/slides/slide13.xml><?xml version="1.0" encoding="utf-8"?>
+<file path=ppt/slides/slide14.xml><?xml version="1.0" encoding="utf-8"?>
 <p:sld xmlns:a="http://schemas.openxmlformats.org/drawingml/2006/main" xmlns:r="http://schemas.openxmlformats.org/officeDocument/2006/relationships" xmlns:p="http://schemas.openxmlformats.org/presentationml/2006/main">
   <p:cSld>
     <p:spTree>

--- a/毕业设计中期答辩-鲁逸沁.pptx
+++ b/毕业设计中期答辩-鲁逸沁.pptx
@@ -1301,24 +1301,10 @@
         </dgm:presLayoutVars>
       </dgm:prSet>
       <dgm:spPr/>
-      <dgm:t>
-        <a:bodyPr/>
-        <a:lstStyle/>
-        <a:p>
-          <a:endParaRPr lang="zh-CN" altLang="en-US"/>
-        </a:p>
-      </dgm:t>
     </dgm:pt>
     <dgm:pt modelId="{31B132AD-E79C-4613-8519-58284711D64F}" type="pres">
       <dgm:prSet presAssocID="{6999BA7D-7057-4C97-ACEE-42C97C257A15}" presName="sibTrans" presStyleLbl="sibTrans2D1" presStyleIdx="0" presStyleCnt="4"/>
       <dgm:spPr/>
-      <dgm:t>
-        <a:bodyPr/>
-        <a:lstStyle/>
-        <a:p>
-          <a:endParaRPr lang="zh-CN" altLang="en-US"/>
-        </a:p>
-      </dgm:t>
     </dgm:pt>
     <dgm:pt modelId="{F56BEB19-B21B-41B3-914A-C83928710A14}" type="pres">
       <dgm:prSet presAssocID="{656B5599-70C5-471E-B2FB-FE4B1EA17A96}" presName="middleNode" presStyleCnt="0"/>
@@ -1335,24 +1321,10 @@
         </dgm:presLayoutVars>
       </dgm:prSet>
       <dgm:spPr/>
-      <dgm:t>
-        <a:bodyPr/>
-        <a:lstStyle/>
-        <a:p>
-          <a:endParaRPr lang="zh-CN" altLang="en-US"/>
-        </a:p>
-      </dgm:t>
     </dgm:pt>
     <dgm:pt modelId="{88C58364-CFBB-455A-A47F-169E2FC483F9}" type="pres">
       <dgm:prSet presAssocID="{BA607166-7243-440D-BCB5-259D4DF03C8B}" presName="sibTrans" presStyleLbl="sibTrans2D1" presStyleIdx="1" presStyleCnt="4" custAng="1685941" custLinFactNeighborX="1774" custLinFactNeighborY="73714"/>
       <dgm:spPr/>
-      <dgm:t>
-        <a:bodyPr/>
-        <a:lstStyle/>
-        <a:p>
-          <a:endParaRPr lang="zh-CN" altLang="en-US"/>
-        </a:p>
-      </dgm:t>
     </dgm:pt>
     <dgm:pt modelId="{50F1550E-A773-4B86-9FE1-94B1BEA12875}" type="pres">
       <dgm:prSet presAssocID="{11E0C170-FFA4-4CBF-B768-88F21AF63EBC}" presName="middleNode" presStyleCnt="0"/>
@@ -1373,24 +1345,10 @@
           <a:avLst/>
         </a:prstGeom>
       </dgm:spPr>
-      <dgm:t>
-        <a:bodyPr/>
-        <a:lstStyle/>
-        <a:p>
-          <a:endParaRPr lang="zh-CN" altLang="en-US"/>
-        </a:p>
-      </dgm:t>
     </dgm:pt>
     <dgm:pt modelId="{C9ADD17A-E8EA-4B82-8F0F-0CE0B3E86C67}" type="pres">
       <dgm:prSet presAssocID="{4C41C8A1-4DF9-4CB6-AF6D-8A07514BD70C}" presName="sibTrans" presStyleLbl="sibTrans2D1" presStyleIdx="2" presStyleCnt="4" custAng="20021185" custLinFactNeighborX="-9166" custLinFactNeighborY="73908"/>
       <dgm:spPr/>
-      <dgm:t>
-        <a:bodyPr/>
-        <a:lstStyle/>
-        <a:p>
-          <a:endParaRPr lang="zh-CN" altLang="en-US"/>
-        </a:p>
-      </dgm:t>
     </dgm:pt>
     <dgm:pt modelId="{D797947D-0366-4BF1-87D2-75E3954F0381}" type="pres">
       <dgm:prSet presAssocID="{1BBC4168-107F-4C7E-B77C-B5338DE83DCB}" presName="middleNode" presStyleCnt="0"/>
@@ -1411,24 +1369,10 @@
           <a:avLst/>
         </a:prstGeom>
       </dgm:spPr>
-      <dgm:t>
-        <a:bodyPr/>
-        <a:lstStyle/>
-        <a:p>
-          <a:endParaRPr lang="zh-CN" altLang="en-US"/>
-        </a:p>
-      </dgm:t>
     </dgm:pt>
     <dgm:pt modelId="{63BDFF4B-C2C5-48DA-839C-CB3AFF1EBE45}" type="pres">
       <dgm:prSet presAssocID="{3E683294-B070-4930-BCBE-D8EF28DD403E}" presName="sibTrans" presStyleLbl="sibTrans2D1" presStyleIdx="3" presStyleCnt="4" custAng="57519"/>
       <dgm:spPr/>
-      <dgm:t>
-        <a:bodyPr/>
-        <a:lstStyle/>
-        <a:p>
-          <a:endParaRPr lang="zh-CN" altLang="en-US"/>
-        </a:p>
-      </dgm:t>
     </dgm:pt>
     <dgm:pt modelId="{7A019D83-F726-4AB5-A80B-BAF2650D8410}" type="pres">
       <dgm:prSet presAssocID="{305F6835-7F09-43BF-A8CA-2D268867B655}" presName="lastNode" presStyleLbl="node1" presStyleIdx="4" presStyleCnt="5" custScaleX="123808" custScaleY="117533" custLinFactNeighborX="-17064" custLinFactNeighborY="-32559">
@@ -1437,13 +1381,6 @@
         </dgm:presLayoutVars>
       </dgm:prSet>
       <dgm:spPr/>
-      <dgm:t>
-        <a:bodyPr/>
-        <a:lstStyle/>
-        <a:p>
-          <a:endParaRPr lang="zh-CN" altLang="en-US"/>
-        </a:p>
-      </dgm:t>
     </dgm:pt>
   </dgm:ptLst>
   <dgm:cxnLst>
@@ -1546,7 +1483,7 @@
         </a:bodyPr>
         <a:lstStyle/>
         <a:p>
-          <a:pPr lvl="0" algn="ctr" defTabSz="2889250">
+          <a:pPr marL="0" lvl="0" indent="0" algn="ctr" defTabSz="2889250">
             <a:lnSpc>
               <a:spcPct val="90000"/>
             </a:lnSpc>
@@ -1556,6 +1493,7 @@
             <a:spcAft>
               <a:spcPct val="35000"/>
             </a:spcAft>
+            <a:buNone/>
           </a:pPr>
           <a:endParaRPr lang="en-US" altLang="zh-CN" sz="6500" kern="1200" dirty="0">
             <a:solidFill>
@@ -1697,7 +1635,7 @@
         </a:bodyPr>
         <a:lstStyle/>
         <a:p>
-          <a:pPr lvl="0" algn="ctr" defTabSz="1066800">
+          <a:pPr marL="0" lvl="0" indent="0" algn="ctr" defTabSz="1066800">
             <a:lnSpc>
               <a:spcPct val="90000"/>
             </a:lnSpc>
@@ -1707,6 +1645,7 @@
             <a:spcAft>
               <a:spcPct val="35000"/>
             </a:spcAft>
+            <a:buNone/>
           </a:pPr>
           <a:endParaRPr lang="en-US" altLang="zh-CN" sz="2400" kern="1200" dirty="0">
             <a:solidFill>
@@ -1715,7 +1654,7 @@
           </a:endParaRPr>
         </a:p>
         <a:p>
-          <a:pPr lvl="0" algn="ctr" defTabSz="1066800">
+          <a:pPr marL="0" lvl="0" indent="0" algn="ctr" defTabSz="1066800">
             <a:lnSpc>
               <a:spcPct val="90000"/>
             </a:lnSpc>
@@ -1725,6 +1664,7 @@
             <a:spcAft>
               <a:spcPct val="35000"/>
             </a:spcAft>
+            <a:buNone/>
           </a:pPr>
           <a:endParaRPr lang="en-US" altLang="zh-CN" sz="2400" kern="1200" dirty="0">
             <a:solidFill>
@@ -1733,7 +1673,7 @@
           </a:endParaRPr>
         </a:p>
         <a:p>
-          <a:pPr lvl="0" algn="ctr" defTabSz="1066800">
+          <a:pPr marL="0" lvl="0" indent="0" algn="ctr" defTabSz="1066800">
             <a:lnSpc>
               <a:spcPct val="90000"/>
             </a:lnSpc>
@@ -1743,6 +1683,7 @@
             <a:spcAft>
               <a:spcPct val="35000"/>
             </a:spcAft>
+            <a:buNone/>
           </a:pPr>
           <a:endParaRPr lang="en-US" altLang="zh-CN" sz="2400" kern="1200" dirty="0">
             <a:solidFill>
@@ -1751,7 +1692,7 @@
           </a:endParaRPr>
         </a:p>
         <a:p>
-          <a:pPr lvl="0" algn="ctr" defTabSz="1066800">
+          <a:pPr marL="0" lvl="0" indent="0" algn="ctr" defTabSz="1066800">
             <a:lnSpc>
               <a:spcPct val="90000"/>
             </a:lnSpc>
@@ -1761,6 +1702,7 @@
             <a:spcAft>
               <a:spcPct val="35000"/>
             </a:spcAft>
+            <a:buNone/>
           </a:pPr>
           <a:r>
             <a:rPr lang="en-US" altLang="zh-CN" sz="2400" kern="1200" dirty="0" err="1">
@@ -1920,7 +1862,7 @@
         </a:bodyPr>
         <a:lstStyle/>
         <a:p>
-          <a:pPr lvl="0" algn="ctr" defTabSz="800100">
+          <a:pPr marL="0" lvl="0" indent="0" algn="ctr" defTabSz="800100">
             <a:lnSpc>
               <a:spcPct val="90000"/>
             </a:lnSpc>
@@ -1930,6 +1872,7 @@
             <a:spcAft>
               <a:spcPct val="35000"/>
             </a:spcAft>
+            <a:buNone/>
           </a:pPr>
           <a:endParaRPr lang="en-US" altLang="zh-CN" sz="1800" kern="1200" dirty="0">
             <a:solidFill>
@@ -1938,7 +1881,7 @@
           </a:endParaRPr>
         </a:p>
         <a:p>
-          <a:pPr lvl="0" algn="ctr" defTabSz="800100">
+          <a:pPr marL="0" lvl="0" indent="0" algn="ctr" defTabSz="800100">
             <a:lnSpc>
               <a:spcPct val="90000"/>
             </a:lnSpc>
@@ -1948,6 +1891,7 @@
             <a:spcAft>
               <a:spcPct val="35000"/>
             </a:spcAft>
+            <a:buNone/>
           </a:pPr>
           <a:endParaRPr lang="en-US" altLang="zh-CN" sz="3200" kern="1200" dirty="0">
             <a:solidFill>
@@ -1956,7 +1900,7 @@
           </a:endParaRPr>
         </a:p>
         <a:p>
-          <a:pPr lvl="0" algn="ctr" defTabSz="800100">
+          <a:pPr marL="0" lvl="0" indent="0" algn="ctr" defTabSz="800100">
             <a:lnSpc>
               <a:spcPts val="2400"/>
             </a:lnSpc>
@@ -1966,6 +1910,7 @@
             <a:spcAft>
               <a:spcPts val="0"/>
             </a:spcAft>
+            <a:buNone/>
           </a:pPr>
           <a:endParaRPr lang="en-US" altLang="zh-CN" sz="2000" kern="1200" dirty="0">
             <a:solidFill>
@@ -1974,7 +1919,7 @@
           </a:endParaRPr>
         </a:p>
         <a:p>
-          <a:pPr lvl="0" algn="ctr" defTabSz="800100">
+          <a:pPr marL="0" lvl="0" indent="0" algn="ctr" defTabSz="800100">
             <a:lnSpc>
               <a:spcPts val="2400"/>
             </a:lnSpc>
@@ -1984,6 +1929,7 @@
             <a:spcAft>
               <a:spcPts val="0"/>
             </a:spcAft>
+            <a:buNone/>
           </a:pPr>
           <a:endParaRPr lang="en-US" altLang="zh-CN" sz="2000" kern="1200" dirty="0">
             <a:solidFill>
@@ -1992,7 +1938,7 @@
           </a:endParaRPr>
         </a:p>
         <a:p>
-          <a:pPr lvl="0" algn="l" defTabSz="800100">
+          <a:pPr marL="0" lvl="0" indent="0" algn="l" defTabSz="800100">
             <a:lnSpc>
               <a:spcPts val="2400"/>
             </a:lnSpc>
@@ -2002,6 +1948,7 @@
             <a:spcAft>
               <a:spcPts val="0"/>
             </a:spcAft>
+            <a:buNone/>
           </a:pPr>
           <a:endParaRPr lang="en-US" altLang="zh-CN" sz="1800" kern="1200" dirty="0">
             <a:solidFill>
@@ -2010,7 +1957,7 @@
           </a:endParaRPr>
         </a:p>
         <a:p>
-          <a:pPr lvl="0" algn="l" defTabSz="800100">
+          <a:pPr marL="0" lvl="0" indent="0" algn="l" defTabSz="800100">
             <a:lnSpc>
               <a:spcPts val="1800"/>
             </a:lnSpc>
@@ -2020,6 +1967,7 @@
             <a:spcAft>
               <a:spcPts val="0"/>
             </a:spcAft>
+            <a:buNone/>
           </a:pPr>
           <a:r>
             <a:rPr lang="zh-CN" altLang="en-US" sz="1800" kern="1200" dirty="0">
@@ -2044,7 +1992,7 @@
           </a:endParaRPr>
         </a:p>
         <a:p>
-          <a:pPr lvl="0" algn="l" defTabSz="800100">
+          <a:pPr marL="0" lvl="0" indent="0" algn="l" defTabSz="800100">
             <a:lnSpc>
               <a:spcPts val="1800"/>
             </a:lnSpc>
@@ -2054,6 +2002,7 @@
             <a:spcAft>
               <a:spcPts val="0"/>
             </a:spcAft>
+            <a:buNone/>
           </a:pPr>
           <a:r>
             <a:rPr lang="zh-CN" altLang="en-US" sz="1800" kern="1200" dirty="0">
@@ -2078,7 +2027,7 @@
           </a:endParaRPr>
         </a:p>
         <a:p>
-          <a:pPr lvl="0" algn="l" defTabSz="800100">
+          <a:pPr marL="0" lvl="0" indent="0" algn="l" defTabSz="800100">
             <a:lnSpc>
               <a:spcPts val="1800"/>
             </a:lnSpc>
@@ -2088,6 +2037,7 @@
             <a:spcAft>
               <a:spcPts val="0"/>
             </a:spcAft>
+            <a:buNone/>
           </a:pPr>
           <a:r>
             <a:rPr lang="zh-CN" altLang="en-US" sz="1800" kern="1200" dirty="0">
@@ -2242,7 +2192,7 @@
         </a:bodyPr>
         <a:lstStyle/>
         <a:p>
-          <a:pPr lvl="0" algn="ctr" defTabSz="2266950">
+          <a:pPr marL="0" lvl="0" indent="0" algn="ctr" defTabSz="2266950">
             <a:lnSpc>
               <a:spcPct val="90000"/>
             </a:lnSpc>
@@ -2252,6 +2202,7 @@
             <a:spcAft>
               <a:spcPct val="35000"/>
             </a:spcAft>
+            <a:buNone/>
           </a:pPr>
           <a:endParaRPr lang="zh-CN" altLang="en-US" sz="5100" kern="1200" dirty="0"/>
         </a:p>
@@ -2391,7 +2342,7 @@
         </a:bodyPr>
         <a:lstStyle/>
         <a:p>
-          <a:pPr lvl="0" algn="ctr" defTabSz="2889250">
+          <a:pPr marL="0" lvl="0" indent="0" algn="ctr" defTabSz="2889250">
             <a:lnSpc>
               <a:spcPct val="90000"/>
             </a:lnSpc>
@@ -2401,6 +2352,7 @@
             <a:spcAft>
               <a:spcPct val="35000"/>
             </a:spcAft>
+            <a:buNone/>
           </a:pPr>
           <a:endParaRPr lang="zh-CN" altLang="en-US" sz="6500" kern="1200" dirty="0"/>
         </a:p>
@@ -7906,14 +7858,6 @@
               </a:rPr>
               <a:t>毕业设计中期答辩</a:t>
             </a:r>
-            <a:r>
-              <a:rPr lang="en-US" altLang="zh-CN" sz="5400" dirty="0">
-                <a:solidFill>
-                  <a:schemeClr val="bg1"/>
-                </a:solidFill>
-              </a:rPr>
-              <a:t/>
-            </a:r>
             <a:br>
               <a:rPr lang="en-US" altLang="zh-CN" sz="5400" dirty="0">
                 <a:solidFill>
@@ -7938,14 +7882,14 @@
           <p:nvPr>
             <p:extLst>
               <p:ext uri="{D42A27DB-BD31-4B8C-83A1-F6EECF244321}">
-                <p14:modId xmlns:p14="http://schemas.microsoft.com/office/powerpoint/2010/main" val="2294804172"/>
+                <p14:modId xmlns:p14="http://schemas.microsoft.com/office/powerpoint/2010/main" val="1021098152"/>
               </p:ext>
             </p:extLst>
           </p:nvPr>
         </p:nvGraphicFramePr>
         <p:xfrm>
-          <a:off x="1782856" y="2763982"/>
-          <a:ext cx="8626288" cy="3200400"/>
+          <a:off x="1416361" y="2852928"/>
+          <a:ext cx="9359278" cy="2921635"/>
         </p:xfrm>
         <a:graphic>
           <a:graphicData uri="http://schemas.openxmlformats.org/drawingml/2006/table">
@@ -7954,17 +7898,17 @@
                 <a:tableStyleId>{5C22544A-7EE6-4342-B048-85BDC9FD1C3A}</a:tableStyleId>
               </a:tblPr>
               <a:tblGrid>
-                <a:gridCol w="2114651">
+                <a:gridCol w="2294336">
                   <a:extLst>
                     <a:ext uri="{9D8B030D-6E8A-4147-A177-3AD203B41FA5}">
-                      <a16:colId xmlns:a16="http://schemas.microsoft.com/office/drawing/2014/main" xmlns="" val="2087218965"/>
+                      <a16:colId xmlns:a16="http://schemas.microsoft.com/office/drawing/2014/main" val="2087218965"/>
                     </a:ext>
                   </a:extLst>
                 </a:gridCol>
-                <a:gridCol w="6511637">
+                <a:gridCol w="7064942">
                   <a:extLst>
                     <a:ext uri="{9D8B030D-6E8A-4147-A177-3AD203B41FA5}">
-                      <a16:colId xmlns:a16="http://schemas.microsoft.com/office/drawing/2014/main" xmlns="" val="929712010"/>
+                      <a16:colId xmlns:a16="http://schemas.microsoft.com/office/drawing/2014/main" val="929712010"/>
                     </a:ext>
                   </a:extLst>
                 </a:gridCol>
@@ -8033,7 +7977,23 @@
                             <a:schemeClr val="bg1"/>
                           </a:solidFill>
                         </a:rPr>
-                        <a:t>虚拟现实环境下触觉反馈影响平面手势的研究</a:t>
+                        <a:t>虚拟</a:t>
+                      </a:r>
+                      <a:r>
+                        <a:rPr lang="en-US" altLang="zh-CN" sz="2400" b="0" dirty="0">
+                          <a:solidFill>
+                            <a:schemeClr val="bg1"/>
+                          </a:solidFill>
+                        </a:rPr>
+                        <a:t>/</a:t>
+                      </a:r>
+                      <a:r>
+                        <a:rPr lang="zh-CN" altLang="en-US" sz="2400" b="0" dirty="0">
+                          <a:solidFill>
+                            <a:schemeClr val="bg1"/>
+                          </a:solidFill>
+                        </a:rPr>
+                        <a:t>增强现实环境下触觉反馈影响平面手势的研究</a:t>
                       </a:r>
                     </a:p>
                   </a:txBody>
@@ -8063,7 +8023,7 @@
                 </a:tc>
                 <a:extLst>
                   <a:ext uri="{0D108BD9-81ED-4DB2-BD59-A6C34878D82A}">
-                    <a16:rowId xmlns:a16="http://schemas.microsoft.com/office/drawing/2014/main" xmlns="" val="2858728227"/>
+                    <a16:rowId xmlns:a16="http://schemas.microsoft.com/office/drawing/2014/main" val="2858728227"/>
                   </a:ext>
                 </a:extLst>
               </a:tr>
@@ -8158,7 +8118,7 @@
                 </a:tc>
                 <a:extLst>
                   <a:ext uri="{0D108BD9-81ED-4DB2-BD59-A6C34878D82A}">
-                    <a16:rowId xmlns:a16="http://schemas.microsoft.com/office/drawing/2014/main" xmlns="" val="1479743348"/>
+                    <a16:rowId xmlns:a16="http://schemas.microsoft.com/office/drawing/2014/main" val="1479743348"/>
                   </a:ext>
                 </a:extLst>
               </a:tr>
@@ -8258,7 +8218,7 @@
                 </a:tc>
                 <a:extLst>
                   <a:ext uri="{0D108BD9-81ED-4DB2-BD59-A6C34878D82A}">
-                    <a16:rowId xmlns:a16="http://schemas.microsoft.com/office/drawing/2014/main" xmlns="" val="2602864519"/>
+                    <a16:rowId xmlns:a16="http://schemas.microsoft.com/office/drawing/2014/main" val="2602864519"/>
                   </a:ext>
                 </a:extLst>
               </a:tr>
@@ -8353,7 +8313,7 @@
                 </a:tc>
                 <a:extLst>
                   <a:ext uri="{0D108BD9-81ED-4DB2-BD59-A6C34878D82A}">
-                    <a16:rowId xmlns:a16="http://schemas.microsoft.com/office/drawing/2014/main" xmlns="" val="850354976"/>
+                    <a16:rowId xmlns:a16="http://schemas.microsoft.com/office/drawing/2014/main" val="850354976"/>
                   </a:ext>
                 </a:extLst>
               </a:tr>
@@ -8453,7 +8413,7 @@
                 </a:tc>
                 <a:extLst>
                   <a:ext uri="{0D108BD9-81ED-4DB2-BD59-A6C34878D82A}">
-                    <a16:rowId xmlns:a16="http://schemas.microsoft.com/office/drawing/2014/main" xmlns="" val="3740596721"/>
+                    <a16:rowId xmlns:a16="http://schemas.microsoft.com/office/drawing/2014/main" val="3740596721"/>
                   </a:ext>
                 </a:extLst>
               </a:tr>
@@ -9163,14 +9123,14 @@
               </a:lnSpc>
             </a:pPr>
             <a:r>
-              <a:rPr lang="zh-CN" altLang="en-US" dirty="0" smtClean="0">
+              <a:rPr lang="zh-CN" altLang="en-US" dirty="0">
                 <a:solidFill>
                   <a:schemeClr val="bg1"/>
                 </a:solidFill>
               </a:rPr>
               <a:t>虚拟现实中的点击实验</a:t>
             </a:r>
-            <a:endParaRPr lang="en-US" altLang="zh-CN" dirty="0" smtClean="0">
+            <a:endParaRPr lang="en-US" altLang="zh-CN" dirty="0">
               <a:solidFill>
                 <a:schemeClr val="bg1"/>
               </a:solidFill>
@@ -9183,7 +9143,7 @@
               </a:lnSpc>
             </a:pPr>
             <a:r>
-              <a:rPr lang="zh-CN" altLang="en-US" dirty="0" smtClean="0">
+              <a:rPr lang="zh-CN" altLang="en-US" dirty="0">
                 <a:solidFill>
                   <a:schemeClr val="bg1"/>
                 </a:solidFill>
@@ -9191,7 +9151,7 @@
               <a:t>触觉反馈：有真实屏幕</a:t>
             </a:r>
             <a:r>
-              <a:rPr lang="en-US" altLang="zh-CN" dirty="0" smtClean="0">
+              <a:rPr lang="en-US" altLang="zh-CN" dirty="0">
                 <a:solidFill>
                   <a:schemeClr val="bg1"/>
                 </a:solidFill>
@@ -9199,14 +9159,14 @@
               <a:t>/</a:t>
             </a:r>
             <a:r>
-              <a:rPr lang="zh-CN" altLang="en-US" dirty="0" smtClean="0">
+              <a:rPr lang="zh-CN" altLang="en-US" dirty="0">
                 <a:solidFill>
                   <a:schemeClr val="bg1"/>
                 </a:solidFill>
               </a:rPr>
               <a:t>无真实屏幕</a:t>
             </a:r>
-            <a:endParaRPr lang="en-US" altLang="zh-CN" dirty="0" smtClean="0">
+            <a:endParaRPr lang="en-US" altLang="zh-CN" dirty="0">
               <a:solidFill>
                 <a:schemeClr val="bg1"/>
               </a:solidFill>
@@ -9219,14 +9179,14 @@
               </a:lnSpc>
             </a:pPr>
             <a:r>
-              <a:rPr lang="zh-CN" altLang="en-US" dirty="0" smtClean="0">
+              <a:rPr lang="zh-CN" altLang="en-US" dirty="0">
                 <a:solidFill>
                   <a:schemeClr val="bg1"/>
                 </a:solidFill>
               </a:rPr>
               <a:t>虚拟屏幕上出现随机位置的点</a:t>
             </a:r>
-            <a:endParaRPr lang="en-US" altLang="zh-CN" dirty="0" smtClean="0">
+            <a:endParaRPr lang="en-US" altLang="zh-CN" dirty="0">
               <a:solidFill>
                 <a:schemeClr val="bg1"/>
               </a:solidFill>
@@ -9239,14 +9199,14 @@
               </a:lnSpc>
             </a:pPr>
             <a:r>
-              <a:rPr lang="zh-CN" altLang="en-US" dirty="0" smtClean="0">
+              <a:rPr lang="zh-CN" altLang="en-US" dirty="0">
                 <a:solidFill>
                   <a:schemeClr val="bg1"/>
                 </a:solidFill>
               </a:rPr>
               <a:t>两者在点击坐标的误差上没有明显差别</a:t>
             </a:r>
-            <a:endParaRPr lang="en-US" altLang="zh-CN" dirty="0" smtClean="0">
+            <a:endParaRPr lang="en-US" altLang="zh-CN" dirty="0">
               <a:solidFill>
                 <a:schemeClr val="bg1"/>
               </a:solidFill>
@@ -9259,14 +9219,14 @@
               </a:lnSpc>
             </a:pPr>
             <a:r>
-              <a:rPr lang="zh-CN" altLang="en-US" dirty="0" smtClean="0">
+              <a:rPr lang="zh-CN" altLang="en-US" dirty="0">
                 <a:solidFill>
                   <a:schemeClr val="bg1"/>
                 </a:solidFill>
               </a:rPr>
               <a:t>系统误差</a:t>
             </a:r>
-            <a:endParaRPr lang="en-US" altLang="zh-CN" dirty="0" smtClean="0">
+            <a:endParaRPr lang="en-US" altLang="zh-CN" dirty="0">
               <a:solidFill>
                 <a:schemeClr val="bg1"/>
               </a:solidFill>
@@ -9279,7 +9239,7 @@
               </a:lnSpc>
             </a:pPr>
             <a:r>
-              <a:rPr lang="zh-CN" altLang="en-US" dirty="0" smtClean="0">
+              <a:rPr lang="zh-CN" altLang="en-US" dirty="0">
                 <a:solidFill>
                   <a:schemeClr val="bg1"/>
                 </a:solidFill>
@@ -9294,6 +9254,30 @@
           </a:p>
         </p:txBody>
       </p:sp>
+      <p:pic>
+        <p:nvPicPr>
+          <p:cNvPr id="4" name="图片 3"/>
+          <p:cNvPicPr>
+            <a:picLocks noChangeAspect="1"/>
+          </p:cNvPicPr>
+          <p:nvPr/>
+        </p:nvPicPr>
+        <p:blipFill>
+          <a:blip r:embed="rId3"/>
+          <a:stretch>
+            <a:fillRect/>
+          </a:stretch>
+        </p:blipFill>
+        <p:spPr>
+          <a:xfrm>
+            <a:off x="7554384" y="1337837"/>
+            <a:ext cx="3571200" cy="4839126"/>
+          </a:xfrm>
+          <a:prstGeom prst="rect">
+            <a:avLst/>
+          </a:prstGeom>
+        </p:spPr>
+      </p:pic>
     </p:spTree>
     <p:extLst>
       <p:ext uri="{BB962C8B-B14F-4D97-AF65-F5344CB8AC3E}">
@@ -9353,28 +9337,28 @@
                 <a:gridCol w="1804616">
                   <a:extLst>
                     <a:ext uri="{9D8B030D-6E8A-4147-A177-3AD203B41FA5}">
-                      <a16:colId xmlns:a16="http://schemas.microsoft.com/office/drawing/2014/main" xmlns="" val="1696123548"/>
+                      <a16:colId xmlns:a16="http://schemas.microsoft.com/office/drawing/2014/main" val="1696123548"/>
                     </a:ext>
                   </a:extLst>
                 </a:gridCol>
                 <a:gridCol w="1804616">
                   <a:extLst>
                     <a:ext uri="{9D8B030D-6E8A-4147-A177-3AD203B41FA5}">
-                      <a16:colId xmlns:a16="http://schemas.microsoft.com/office/drawing/2014/main" xmlns="" val="3509285232"/>
+                      <a16:colId xmlns:a16="http://schemas.microsoft.com/office/drawing/2014/main" val="3509285232"/>
                     </a:ext>
                   </a:extLst>
                 </a:gridCol>
                 <a:gridCol w="1804616">
                   <a:extLst>
                     <a:ext uri="{9D8B030D-6E8A-4147-A177-3AD203B41FA5}">
-                      <a16:colId xmlns:a16="http://schemas.microsoft.com/office/drawing/2014/main" xmlns="" val="679693014"/>
+                      <a16:colId xmlns:a16="http://schemas.microsoft.com/office/drawing/2014/main" val="679693014"/>
                     </a:ext>
                   </a:extLst>
                 </a:gridCol>
                 <a:gridCol w="1804616">
                   <a:extLst>
                     <a:ext uri="{9D8B030D-6E8A-4147-A177-3AD203B41FA5}">
-                      <a16:colId xmlns:a16="http://schemas.microsoft.com/office/drawing/2014/main" xmlns="" val="3661630274"/>
+                      <a16:colId xmlns:a16="http://schemas.microsoft.com/office/drawing/2014/main" val="3661630274"/>
                     </a:ext>
                   </a:extLst>
                 </a:gridCol>
@@ -9398,10 +9382,9 @@
                     <a:p>
                       <a:pPr algn="ctr"/>
                       <a:r>
-                        <a:rPr lang="zh-CN" altLang="en-US" b="0" dirty="0" smtClean="0"/>
+                        <a:rPr lang="zh-CN" altLang="en-US" b="0" dirty="0"/>
                         <a:t>真实世界</a:t>
                       </a:r>
-                      <a:endParaRPr lang="zh-CN" altLang="en-US" b="0" dirty="0"/>
                     </a:p>
                   </a:txBody>
                   <a:tcPr anchor="ctr"/>
@@ -9413,10 +9396,9 @@
                     <a:p>
                       <a:pPr algn="ctr"/>
                       <a:r>
-                        <a:rPr lang="zh-CN" altLang="en-US" b="0" dirty="0" smtClean="0"/>
+                        <a:rPr lang="zh-CN" altLang="en-US" b="0" dirty="0"/>
                         <a:t>虚拟现实</a:t>
                       </a:r>
-                      <a:endParaRPr lang="zh-CN" altLang="en-US" b="0" dirty="0"/>
                     </a:p>
                   </a:txBody>
                   <a:tcPr anchor="ctr"/>
@@ -9428,10 +9410,9 @@
                     <a:p>
                       <a:pPr algn="ctr"/>
                       <a:r>
-                        <a:rPr lang="zh-CN" altLang="en-US" b="0" dirty="0" smtClean="0"/>
+                        <a:rPr lang="zh-CN" altLang="en-US" b="0" dirty="0"/>
                         <a:t>增强现实</a:t>
                       </a:r>
-                      <a:endParaRPr lang="zh-CN" altLang="en-US" b="0" dirty="0"/>
                     </a:p>
                   </a:txBody>
                   <a:tcPr anchor="ctr">
@@ -9444,7 +9425,7 @@
                 </a:tc>
                 <a:extLst>
                   <a:ext uri="{0D108BD9-81ED-4DB2-BD59-A6C34878D82A}">
-                    <a16:rowId xmlns:a16="http://schemas.microsoft.com/office/drawing/2014/main" xmlns="" val="396840391"/>
+                    <a16:rowId xmlns:a16="http://schemas.microsoft.com/office/drawing/2014/main" val="396840391"/>
                   </a:ext>
                 </a:extLst>
               </a:tr>
@@ -9456,10 +9437,9 @@
                     <a:p>
                       <a:pPr algn="ctr"/>
                       <a:r>
-                        <a:rPr lang="zh-CN" altLang="en-US" dirty="0" smtClean="0"/>
+                        <a:rPr lang="zh-CN" altLang="en-US" dirty="0"/>
                         <a:t>无触觉反馈</a:t>
                       </a:r>
-                      <a:endParaRPr lang="zh-CN" altLang="en-US" dirty="0"/>
                     </a:p>
                   </a:txBody>
                   <a:tcPr anchor="ctr"/>
@@ -9509,7 +9489,7 @@
                 </a:tc>
                 <a:extLst>
                   <a:ext uri="{0D108BD9-81ED-4DB2-BD59-A6C34878D82A}">
-                    <a16:rowId xmlns:a16="http://schemas.microsoft.com/office/drawing/2014/main" xmlns="" val="3979200351"/>
+                    <a16:rowId xmlns:a16="http://schemas.microsoft.com/office/drawing/2014/main" val="3979200351"/>
                   </a:ext>
                 </a:extLst>
               </a:tr>
@@ -9521,10 +9501,9 @@
                     <a:p>
                       <a:pPr algn="ctr"/>
                       <a:r>
-                        <a:rPr lang="zh-CN" altLang="en-US" dirty="0" smtClean="0"/>
+                        <a:rPr lang="zh-CN" altLang="en-US" dirty="0"/>
                         <a:t>有触觉反馈</a:t>
                       </a:r>
-                      <a:endParaRPr lang="zh-CN" altLang="en-US" dirty="0"/>
                     </a:p>
                   </a:txBody>
                   <a:tcPr anchor="ctr"/>
@@ -9564,7 +9543,7 @@
                 </a:tc>
                 <a:extLst>
                   <a:ext uri="{0D108BD9-81ED-4DB2-BD59-A6C34878D82A}">
-                    <a16:rowId xmlns:a16="http://schemas.microsoft.com/office/drawing/2014/main" xmlns="" val="3348657667"/>
+                    <a16:rowId xmlns:a16="http://schemas.microsoft.com/office/drawing/2014/main" val="3348657667"/>
                   </a:ext>
                 </a:extLst>
               </a:tr>
@@ -9588,34 +9567,13 @@
           <a:lstStyle/>
           <a:p>
             <a:r>
-              <a:rPr lang="zh-CN" altLang="en-US" dirty="0" smtClean="0">
-                <a:solidFill>
-                  <a:schemeClr val="bg1"/>
-                </a:solidFill>
-              </a:rPr>
-              <a:t>正式</a:t>
-            </a:r>
-            <a:r>
-              <a:rPr lang="zh-CN" altLang="en-US" dirty="0" smtClean="0">
-                <a:solidFill>
-                  <a:schemeClr val="bg1"/>
-                </a:solidFill>
-              </a:rPr>
-              <a:t>实验</a:t>
-            </a:r>
-            <a:r>
               <a:rPr lang="zh-CN" altLang="en-US" dirty="0">
                 <a:solidFill>
                   <a:schemeClr val="bg1"/>
                 </a:solidFill>
               </a:rPr>
-              <a:t>设置</a:t>
+              <a:t>正式实验设置</a:t>
             </a:r>
-            <a:endParaRPr lang="zh-CN" altLang="en-US" dirty="0">
-              <a:solidFill>
-                <a:schemeClr val="bg1"/>
-              </a:solidFill>
-            </a:endParaRPr>
           </a:p>
         </p:txBody>
       </p:sp>
@@ -9795,13 +9753,6 @@
   <p:clrMapOvr>
     <a:masterClrMapping/>
   </p:clrMapOvr>
-  <p:timing>
-    <p:tnLst>
-      <p:par>
-        <p:cTn id="1" dur="indefinite" restart="never" nodeType="tmRoot"/>
-      </p:par>
-    </p:tnLst>
-  </p:timing>
 </p:sld>
 </file>
 
@@ -9874,14 +9825,14 @@
               </a:lnSpc>
             </a:pPr>
             <a:r>
-              <a:rPr lang="zh-CN" altLang="en-US" dirty="0" smtClean="0">
+              <a:rPr lang="zh-CN" altLang="en-US" dirty="0">
                 <a:solidFill>
                   <a:schemeClr val="bg1"/>
                 </a:solidFill>
               </a:rPr>
               <a:t>平面手势</a:t>
             </a:r>
-            <a:endParaRPr lang="en-US" altLang="zh-CN" dirty="0" smtClean="0">
+            <a:endParaRPr lang="en-US" altLang="zh-CN" dirty="0">
               <a:solidFill>
                 <a:schemeClr val="bg1"/>
               </a:solidFill>
@@ -9894,7 +9845,7 @@
               </a:lnSpc>
             </a:pPr>
             <a:r>
-              <a:rPr lang="zh-CN" altLang="en-US" dirty="0" smtClean="0">
+              <a:rPr lang="zh-CN" altLang="en-US" dirty="0">
                 <a:solidFill>
                   <a:schemeClr val="bg1"/>
                 </a:solidFill>
@@ -9908,6 +9859,26 @@
             </a:endParaRPr>
           </a:p>
           <a:p>
+            <a:pPr lvl="2">
+              <a:lnSpc>
+                <a:spcPct val="150000"/>
+              </a:lnSpc>
+            </a:pPr>
+            <a:r>
+              <a:rPr lang="zh-CN" altLang="en-US" dirty="0">
+                <a:solidFill>
+                  <a:schemeClr val="bg1"/>
+                </a:solidFill>
+              </a:rPr>
+              <a:t>单机、双击、长按</a:t>
+            </a:r>
+            <a:endParaRPr lang="en-US" altLang="zh-CN" dirty="0">
+              <a:solidFill>
+                <a:schemeClr val="bg1"/>
+              </a:solidFill>
+            </a:endParaRPr>
+          </a:p>
+          <a:p>
             <a:pPr lvl="1">
               <a:lnSpc>
                 <a:spcPct val="150000"/>
@@ -9919,17 +9890,9 @@
                   <a:schemeClr val="bg1"/>
                 </a:solidFill>
               </a:rPr>
-              <a:t>拖</a:t>
+              <a:t>拖动</a:t>
             </a:r>
-            <a:r>
-              <a:rPr lang="zh-CN" altLang="en-US" dirty="0" smtClean="0">
-                <a:solidFill>
-                  <a:schemeClr val="bg1"/>
-                </a:solidFill>
-              </a:rPr>
-              <a:t>动</a:t>
-            </a:r>
-            <a:endParaRPr lang="en-US" altLang="zh-CN" dirty="0" smtClean="0">
+            <a:endParaRPr lang="en-US" altLang="zh-CN" dirty="0">
               <a:solidFill>
                 <a:schemeClr val="bg1"/>
               </a:solidFill>
@@ -9942,14 +9905,14 @@
               </a:lnSpc>
             </a:pPr>
             <a:r>
-              <a:rPr lang="zh-CN" altLang="en-US" dirty="0" smtClean="0">
+              <a:rPr lang="zh-CN" altLang="en-US" dirty="0">
                 <a:solidFill>
                   <a:schemeClr val="bg1"/>
                 </a:solidFill>
               </a:rPr>
               <a:t>缩放</a:t>
             </a:r>
-            <a:endParaRPr lang="en-US" altLang="zh-CN" dirty="0" smtClean="0">
+            <a:endParaRPr lang="en-US" altLang="zh-CN" dirty="0">
               <a:solidFill>
                 <a:schemeClr val="bg1"/>
               </a:solidFill>
@@ -9961,6 +9924,14 @@
                 <a:spcPct val="150000"/>
               </a:lnSpc>
             </a:pPr>
+            <a:r>
+              <a:rPr lang="zh-CN" altLang="en-US" dirty="0">
+                <a:solidFill>
+                  <a:schemeClr val="bg1"/>
+                </a:solidFill>
+              </a:rPr>
+              <a:t>其他复杂手势</a:t>
+            </a:r>
             <a:endParaRPr lang="en-US" altLang="zh-CN" dirty="0">
               <a:solidFill>
                 <a:schemeClr val="bg1"/>
@@ -9969,6 +9940,150 @@
           </a:p>
         </p:txBody>
       </p:sp>
+      <p:pic>
+        <p:nvPicPr>
+          <p:cNvPr id="1026" name="Picture 2" descr="https://cdn1.iconfinder.com/data/icons/touch-gestures-2/24/Drag-Left-512.png"/>
+          <p:cNvPicPr>
+            <a:picLocks noChangeAspect="1" noChangeArrowheads="1"/>
+          </p:cNvPicPr>
+          <p:nvPr/>
+        </p:nvPicPr>
+        <p:blipFill>
+          <a:blip r:embed="rId3" cstate="print">
+            <a:duotone>
+              <a:schemeClr val="accent6">
+                <a:shade val="45000"/>
+                <a:satMod val="135000"/>
+              </a:schemeClr>
+              <a:prstClr val="white"/>
+            </a:duotone>
+            <a:extLst>
+              <a:ext uri="{28A0092B-C50C-407E-A947-70E740481C1C}">
+                <a14:useLocalDpi xmlns:a14="http://schemas.microsoft.com/office/drawing/2010/main" val="0"/>
+              </a:ext>
+            </a:extLst>
+          </a:blip>
+          <a:srcRect/>
+          <a:stretch>
+            <a:fillRect/>
+          </a:stretch>
+        </p:blipFill>
+        <p:spPr bwMode="auto">
+          <a:xfrm>
+            <a:off x="7007237" y="4376963"/>
+            <a:ext cx="1800000" cy="1800000"/>
+          </a:xfrm>
+          <a:prstGeom prst="rect">
+            <a:avLst/>
+          </a:prstGeom>
+          <a:noFill/>
+          <a:extLst>
+            <a:ext uri="{909E8E84-426E-40DD-AFC4-6F175D3DCCD1}">
+              <a14:hiddenFill xmlns:a14="http://schemas.microsoft.com/office/drawing/2010/main">
+                <a:solidFill>
+                  <a:srgbClr val="FFFFFF"/>
+                </a:solidFill>
+              </a14:hiddenFill>
+            </a:ext>
+          </a:extLst>
+        </p:spPr>
+      </p:pic>
+      <p:pic>
+        <p:nvPicPr>
+          <p:cNvPr id="1032" name="Picture 8" descr="Hand Touch 2 icon"/>
+          <p:cNvPicPr>
+            <a:picLocks noChangeAspect="1" noChangeArrowheads="1"/>
+          </p:cNvPicPr>
+          <p:nvPr/>
+        </p:nvPicPr>
+        <p:blipFill>
+          <a:blip r:embed="rId4">
+            <a:duotone>
+              <a:schemeClr val="accent2">
+                <a:shade val="45000"/>
+                <a:satMod val="135000"/>
+              </a:schemeClr>
+              <a:prstClr val="white"/>
+            </a:duotone>
+            <a:extLst>
+              <a:ext uri="{28A0092B-C50C-407E-A947-70E740481C1C}">
+                <a14:useLocalDpi xmlns:a14="http://schemas.microsoft.com/office/drawing/2010/main" val="0"/>
+              </a:ext>
+            </a:extLst>
+          </a:blip>
+          <a:srcRect/>
+          <a:stretch>
+            <a:fillRect/>
+          </a:stretch>
+        </p:blipFill>
+        <p:spPr bwMode="auto">
+          <a:xfrm>
+            <a:off x="5625042" y="1993178"/>
+            <a:ext cx="1800000" cy="1800000"/>
+          </a:xfrm>
+          <a:prstGeom prst="rect">
+            <a:avLst/>
+          </a:prstGeom>
+          <a:noFill/>
+          <a:extLst>
+            <a:ext uri="{909E8E84-426E-40DD-AFC4-6F175D3DCCD1}">
+              <a14:hiddenFill xmlns:a14="http://schemas.microsoft.com/office/drawing/2010/main">
+                <a:solidFill>
+                  <a:srgbClr val="FFFFFF"/>
+                </a:solidFill>
+              </a14:hiddenFill>
+            </a:ext>
+          </a:extLst>
+        </p:spPr>
+      </p:pic>
+      <p:pic>
+        <p:nvPicPr>
+          <p:cNvPr id="1036" name="Picture 12" descr="http://icons.iconarchive.com/icons/iconsmind/outline/512/Zoom-Gesture-icon.png"/>
+          <p:cNvPicPr>
+            <a:picLocks noChangeAspect="1" noChangeArrowheads="1"/>
+          </p:cNvPicPr>
+          <p:nvPr/>
+        </p:nvPicPr>
+        <p:blipFill>
+          <a:blip r:embed="rId5" cstate="print">
+            <a:duotone>
+              <a:schemeClr val="accent1">
+                <a:shade val="45000"/>
+                <a:satMod val="135000"/>
+              </a:schemeClr>
+              <a:prstClr val="white"/>
+            </a:duotone>
+            <a:extLst>
+              <a:ext uri="{28A0092B-C50C-407E-A947-70E740481C1C}">
+                <a14:useLocalDpi xmlns:a14="http://schemas.microsoft.com/office/drawing/2010/main" val="0"/>
+              </a:ext>
+            </a:extLst>
+          </a:blip>
+          <a:srcRect/>
+          <a:stretch>
+            <a:fillRect/>
+          </a:stretch>
+        </p:blipFill>
+        <p:spPr bwMode="auto">
+          <a:xfrm>
+            <a:off x="8304765" y="2732311"/>
+            <a:ext cx="1800000" cy="1800000"/>
+          </a:xfrm>
+          <a:prstGeom prst="rect">
+            <a:avLst/>
+          </a:prstGeom>
+          <a:noFill/>
+          <a:extLst>
+            <a:ext uri="{909E8E84-426E-40DD-AFC4-6F175D3DCCD1}">
+              <a14:hiddenFill xmlns:a14="http://schemas.microsoft.com/office/drawing/2010/main">
+                <a:solidFill>
+                  <a:srgbClr val="FFFFFF"/>
+                </a:solidFill>
+              </a14:hiddenFill>
+            </a:ext>
+          </a:extLst>
+        </p:spPr>
+      </p:pic>
     </p:spTree>
     <p:extLst>
       <p:ext uri="{BB962C8B-B14F-4D97-AF65-F5344CB8AC3E}">
@@ -10133,7 +10248,7 @@
                   <a:schemeClr val="bg1"/>
                 </a:solidFill>
               </a:rPr>
-              <a:t>研究触觉反馈对</a:t>
+              <a:t>研究对象：</a:t>
             </a:r>
             <a:r>
               <a:rPr lang="en-US" altLang="zh-CN" dirty="0">
@@ -10141,7 +10256,7 @@
                   <a:schemeClr val="bg1"/>
                 </a:solidFill>
               </a:rPr>
-              <a:t>VR</a:t>
+              <a:t>VR/AR</a:t>
             </a:r>
             <a:r>
               <a:rPr lang="zh-CN" altLang="en-US" dirty="0">
@@ -10149,7 +10264,27 @@
                   <a:schemeClr val="bg1"/>
                 </a:solidFill>
               </a:rPr>
-              <a:t>场景下的屏幕控制手势产生的影响</a:t>
+              <a:t>场景下的虚拟屏幕操作手势</a:t>
+            </a:r>
+            <a:endParaRPr lang="en-US" altLang="zh-CN" dirty="0">
+              <a:solidFill>
+                <a:schemeClr val="bg1"/>
+              </a:solidFill>
+            </a:endParaRPr>
+          </a:p>
+          <a:p>
+            <a:pPr>
+              <a:lnSpc>
+                <a:spcPct val="150000"/>
+              </a:lnSpc>
+            </a:pPr>
+            <a:r>
+              <a:rPr lang="zh-CN" altLang="en-US" dirty="0">
+                <a:solidFill>
+                  <a:schemeClr val="bg1"/>
+                </a:solidFill>
+              </a:rPr>
+              <a:t>研究问题：触觉反馈对研究对象产生的影响</a:t>
             </a:r>
             <a:endParaRPr lang="en-US" altLang="zh-CN" dirty="0">
               <a:solidFill>
@@ -10190,8 +10325,8 @@
         </p:blipFill>
         <p:spPr bwMode="auto">
           <a:xfrm>
-            <a:off x="6646695" y="3296963"/>
-            <a:ext cx="4272996" cy="2880000"/>
+            <a:off x="6503035" y="3574775"/>
+            <a:ext cx="3738872" cy="2520000"/>
           </a:xfrm>
           <a:prstGeom prst="rect">
             <a:avLst/>
@@ -10236,8 +10371,8 @@
         </p:blipFill>
         <p:spPr bwMode="auto">
           <a:xfrm>
-            <a:off x="1058403" y="3296963"/>
-            <a:ext cx="4320000" cy="2880000"/>
+            <a:off x="1696578" y="3574775"/>
+            <a:ext cx="3780000" cy="2520000"/>
           </a:xfrm>
           <a:prstGeom prst="rect">
             <a:avLst/>
